--- a/lectures/060_object_oriented_intro/Objects-Intro.pptx
+++ b/lectures/060_object_oriented_intro/Objects-Intro.pptx
@@ -1923,7 +1923,7 @@
           <a:p>
             <a:fld id="{2507D560-C4D4-4804-8CBF-2C56AB6C6DB9}" type="datetimeFigureOut">
               <a:rPr lang="en-US" smtClean="0"/>
-              <a:t>5/26/2021</a:t>
+              <a:t>8/16/2021</a:t>
             </a:fld>
             <a:endParaRPr lang="en-US"/>
           </a:p>
@@ -2088,7 +2088,7 @@
           <a:p>
             <a:fld id="{688E7586-9A7B-41FF-B169-85DADA744493}" type="datetimeFigureOut">
               <a:rPr lang="en-US" smtClean="0"/>
-              <a:t>5/26/2021</a:t>
+              <a:t>8/16/2021</a:t>
             </a:fld>
             <a:endParaRPr lang="en-US"/>
           </a:p>
@@ -5716,8 +5716,8 @@
           </a:p>
           <a:p>
             <a:r>
-              <a:rPr lang="en-US" dirty="0"/>
-              <a:t>Spring </a:t>
+              <a:rPr lang="en-US" smtClean="0"/>
+              <a:t>Spring/Fall </a:t>
             </a:r>
             <a:r>
               <a:rPr lang="en-US" dirty="0" smtClean="0"/>

--- a/lectures/060_object_oriented_intro/Objects-Intro.pptx
+++ b/lectures/060_object_oriented_intro/Objects-Intro.pptx
@@ -5,10 +5,10 @@
     <p:sldMasterId id="2147483732" r:id="rId1"/>
   </p:sldMasterIdLst>
   <p:notesMasterIdLst>
-    <p:notesMasterId r:id="rId16"/>
+    <p:notesMasterId r:id="rId21"/>
   </p:notesMasterIdLst>
   <p:handoutMasterIdLst>
-    <p:handoutMasterId r:id="rId17"/>
+    <p:handoutMasterId r:id="rId22"/>
   </p:handoutMasterIdLst>
   <p:sldIdLst>
     <p:sldId id="256" r:id="rId2"/>
@@ -24,7 +24,12 @@
     <p:sldId id="294" r:id="rId12"/>
     <p:sldId id="295" r:id="rId13"/>
     <p:sldId id="297" r:id="rId14"/>
-    <p:sldId id="300" r:id="rId15"/>
+    <p:sldId id="301" r:id="rId15"/>
+    <p:sldId id="300" r:id="rId16"/>
+    <p:sldId id="302" r:id="rId17"/>
+    <p:sldId id="303" r:id="rId18"/>
+    <p:sldId id="304" r:id="rId19"/>
+    <p:sldId id="305" r:id="rId20"/>
   </p:sldIdLst>
   <p:sldSz cx="12188825" cy="6858000"/>
   <p:notesSz cx="6858000" cy="9144000"/>
@@ -1923,7 +1928,7 @@
           <a:p>
             <a:fld id="{2507D560-C4D4-4804-8CBF-2C56AB6C6DB9}" type="datetimeFigureOut">
               <a:rPr lang="en-US" smtClean="0"/>
-              <a:t>8/16/2021</a:t>
+              <a:t>9/30/2021</a:t>
             </a:fld>
             <a:endParaRPr lang="en-US"/>
           </a:p>
@@ -2088,7 +2093,7 @@
           <a:p>
             <a:fld id="{688E7586-9A7B-41FF-B169-85DADA744493}" type="datetimeFigureOut">
               <a:rPr lang="en-US" smtClean="0"/>
-              <a:t>8/16/2021</a:t>
+              <a:t>9/30/2021</a:t>
             </a:fld>
             <a:endParaRPr lang="en-US"/>
           </a:p>
@@ -5677,12 +5682,8 @@
           <a:lstStyle/>
           <a:p>
             <a:r>
-              <a:rPr lang="en-US" sz="6400" dirty="0" smtClean="0"/>
-              <a:t>Intro </a:t>
-            </a:r>
-            <a:r>
               <a:rPr lang="en-US" sz="6400" dirty="0"/>
-              <a:t>to Classes and Objects</a:t>
+              <a:t>Intro to Classes and Objects</a:t>
             </a:r>
           </a:p>
         </p:txBody>
@@ -5716,12 +5717,8 @@
           </a:p>
           <a:p>
             <a:r>
-              <a:rPr lang="en-US" smtClean="0"/>
-              <a:t>Spring/Fall </a:t>
-            </a:r>
-            <a:r>
               <a:rPr lang="en-US" dirty="0" smtClean="0"/>
-              <a:t>20XX</a:t>
+              <a:t>Spring/Fall 20XX</a:t>
             </a:r>
             <a:endParaRPr lang="en-US" dirty="0"/>
           </a:p>
@@ -5827,12 +5824,8 @@
           <a:lstStyle/>
           <a:p>
             <a:r>
-              <a:rPr lang="en-US" dirty="0" smtClean="0"/>
-              <a:t>Class </a:t>
-            </a:r>
-            <a:r>
-              <a:rPr lang="en-US" dirty="0"/>
-              <a:t>and Object Basics</a:t>
+              <a:rPr lang="en-US" dirty="0"/>
+              <a:t>Class and Object Basics</a:t>
             </a:r>
           </a:p>
           <a:p>
@@ -5844,12 +5837,19 @@
           <a:p>
             <a:r>
               <a:rPr lang="en-US" b="1" dirty="0"/>
-              <a:t>Using a </a:t>
-            </a:r>
-            <a:r>
-              <a:rPr lang="en-US" b="1" dirty="0" smtClean="0"/>
-              <a:t>Class</a:t>
-            </a:r>
+              <a:t>Using a Class</a:t>
+            </a:r>
+          </a:p>
+          <a:p>
+            <a:r>
+              <a:rPr lang="en-US" dirty="0"/>
+              <a:t>Principles of </a:t>
+            </a:r>
+            <a:r>
+              <a:rPr lang="en-US" dirty="0" err="1"/>
+              <a:t>Accessors</a:t>
+            </a:r>
+            <a:endParaRPr lang="en-US" dirty="0"/>
           </a:p>
         </p:txBody>
       </p:sp>
@@ -8775,6 +8775,45 @@
           <a:chExt cx="0" cy="0"/>
         </a:xfrm>
       </p:grpSpPr>
+      <p:cxnSp>
+        <p:nvCxnSpPr>
+          <p:cNvPr id="35" name="Straight Connector 34"/>
+          <p:cNvCxnSpPr/>
+          <p:nvPr/>
+        </p:nvCxnSpPr>
+        <p:spPr>
+          <a:xfrm>
+            <a:off x="6323012" y="1640526"/>
+            <a:ext cx="0" cy="4715826"/>
+          </a:xfrm>
+          <a:prstGeom prst="line">
+            <a:avLst/>
+          </a:prstGeom>
+          <a:ln w="28575" cap="flat" cmpd="sng" algn="ctr">
+            <a:solidFill>
+              <a:schemeClr val="accent5"/>
+            </a:solidFill>
+            <a:prstDash val="dash"/>
+            <a:round/>
+            <a:headEnd type="none" w="med" len="med"/>
+            <a:tailEnd type="none" w="med" len="med"/>
+          </a:ln>
+        </p:spPr>
+        <p:style>
+          <a:lnRef idx="0">
+            <a:scrgbClr r="0" g="0" b="0"/>
+          </a:lnRef>
+          <a:fillRef idx="0">
+            <a:scrgbClr r="0" g="0" b="0"/>
+          </a:fillRef>
+          <a:effectRef idx="0">
+            <a:scrgbClr r="0" g="0" b="0"/>
+          </a:effectRef>
+          <a:fontRef idx="minor">
+            <a:schemeClr val="tx1"/>
+          </a:fontRef>
+        </p:style>
+      </p:cxnSp>
       <p:sp>
         <p:nvSpPr>
           <p:cNvPr id="2" name="Title 1">
@@ -8845,8 +8884,8 @@
         </p:nvSpPr>
         <p:spPr>
           <a:xfrm>
-            <a:off x="379412" y="1826930"/>
-            <a:ext cx="6934200" cy="1981953"/>
+            <a:off x="227012" y="1752600"/>
+            <a:ext cx="5791200" cy="2677656"/>
           </a:xfrm>
           <a:prstGeom prst="rect">
             <a:avLst/>
@@ -8878,15 +8917,19 @@
           <a:p>
             <a:pPr>
               <a:lnSpc>
-                <a:spcPct val="113000"/>
+                <a:spcPct val="120000"/>
               </a:lnSpc>
             </a:pPr>
             <a:r>
-              <a:rPr lang="en-US" dirty="0"/>
-              <a:t>static void</a:t>
-            </a:r>
-            <a:r>
-              <a:rPr lang="en-US" dirty="0">
+              <a:rPr lang="en-US" sz="2000" dirty="0">
+                <a:solidFill>
+                  <a:srgbClr val="66FFCC"/>
+                </a:solidFill>
+              </a:rPr>
+              <a:t>Rectangle</a:t>
+            </a:r>
+            <a:r>
+              <a:rPr lang="en-US" sz="2000" dirty="0">
                 <a:solidFill>
                   <a:schemeClr val="tx1"/>
                 </a:solidFill>
@@ -8894,203 +8937,203 @@
               <a:t> </a:t>
             </a:r>
             <a:r>
-              <a:rPr lang="en-US" dirty="0">
-                <a:solidFill>
-                  <a:srgbClr val="CC9900"/>
-                </a:solidFill>
-              </a:rPr>
-              <a:t>Main</a:t>
-            </a:r>
-            <a:r>
-              <a:rPr lang="en-US" dirty="0">
+              <a:rPr lang="en-US" sz="2000" dirty="0" err="1">
                 <a:solidFill>
                   <a:schemeClr val="tx1"/>
                 </a:solidFill>
               </a:rPr>
-              <a:t>(</a:t>
-            </a:r>
-            <a:r>
-              <a:rPr lang="en-US" dirty="0"/>
-              <a:t>string</a:t>
-            </a:r>
-            <a:r>
-              <a:rPr lang="en-US" dirty="0">
+              <a:t>myRectangle</a:t>
+            </a:r>
+            <a:r>
+              <a:rPr lang="en-US" sz="2000" dirty="0">
                 <a:solidFill>
                   <a:schemeClr val="tx1"/>
                 </a:solidFill>
               </a:rPr>
-              <a:t>[] </a:t>
-            </a:r>
-            <a:r>
-              <a:rPr lang="en-US" dirty="0" err="1">
+              <a:t> = </a:t>
+            </a:r>
+            <a:r>
+              <a:rPr lang="en-US" sz="2000" dirty="0"/>
+              <a:t>new</a:t>
+            </a:r>
+            <a:r>
+              <a:rPr lang="en-US" sz="2000" dirty="0">
                 <a:solidFill>
                   <a:schemeClr val="tx1"/>
                 </a:solidFill>
               </a:rPr>
-              <a:t>args</a:t>
-            </a:r>
-            <a:r>
-              <a:rPr lang="en-US" dirty="0">
+              <a:t> </a:t>
+            </a:r>
+            <a:r>
+              <a:rPr lang="en-US" sz="2000" dirty="0">
+                <a:solidFill>
+                  <a:srgbClr val="66FFCC"/>
+                </a:solidFill>
+              </a:rPr>
+              <a:t>Rectangle</a:t>
+            </a:r>
+            <a:r>
+              <a:rPr lang="en-US" sz="2000" dirty="0">
                 <a:solidFill>
                   <a:schemeClr val="tx1"/>
                 </a:solidFill>
               </a:rPr>
-              <a:t>)</a:t>
+              <a:t>();</a:t>
             </a:r>
           </a:p>
           <a:p>
             <a:pPr>
               <a:lnSpc>
-                <a:spcPct val="113000"/>
+                <a:spcPct val="120000"/>
               </a:lnSpc>
             </a:pPr>
             <a:r>
-              <a:rPr lang="en-US" dirty="0">
+              <a:rPr lang="en-US" sz="2000" dirty="0" err="1">
                 <a:solidFill>
                   <a:schemeClr val="tx1"/>
                 </a:solidFill>
               </a:rPr>
-              <a:t>{</a:t>
+              <a:t>myRectangle.</a:t>
+            </a:r>
+            <a:r>
+              <a:rPr lang="en-US" sz="2000" dirty="0" err="1">
+                <a:solidFill>
+                  <a:srgbClr val="CC9900"/>
+                </a:solidFill>
+              </a:rPr>
+              <a:t>SetLength</a:t>
+            </a:r>
+            <a:r>
+              <a:rPr lang="en-US" sz="2000" dirty="0">
+                <a:solidFill>
+                  <a:schemeClr val="tx1"/>
+                </a:solidFill>
+              </a:rPr>
+              <a:t>(</a:t>
+            </a:r>
+            <a:r>
+              <a:rPr lang="en-US" sz="2000" dirty="0">
+                <a:solidFill>
+                  <a:srgbClr val="99CC00"/>
+                </a:solidFill>
+              </a:rPr>
+              <a:t>12</a:t>
+            </a:r>
+            <a:r>
+              <a:rPr lang="en-US" sz="2000" dirty="0">
+                <a:solidFill>
+                  <a:schemeClr val="tx1"/>
+                </a:solidFill>
+              </a:rPr>
+              <a:t>);</a:t>
             </a:r>
           </a:p>
           <a:p>
             <a:pPr>
               <a:lnSpc>
-                <a:spcPct val="113000"/>
+                <a:spcPct val="120000"/>
               </a:lnSpc>
             </a:pPr>
             <a:r>
-              <a:rPr lang="en-US" dirty="0">
+              <a:rPr lang="en-US" sz="2000" dirty="0">
                 <a:solidFill>
                   <a:schemeClr val="tx1"/>
                 </a:solidFill>
               </a:rPr>
-              <a:t>  </a:t>
-            </a:r>
-            <a:r>
-              <a:rPr lang="en-US" dirty="0">
-                <a:solidFill>
-                  <a:srgbClr val="66FFCC"/>
-                </a:solidFill>
-              </a:rPr>
-              <a:t>Rectangle</a:t>
-            </a:r>
-            <a:r>
-              <a:rPr lang="en-US" dirty="0">
-                <a:solidFill>
-                  <a:schemeClr val="tx1"/>
-                </a:solidFill>
-              </a:rPr>
-              <a:t> </a:t>
-            </a:r>
-            <a:r>
-              <a:rPr lang="en-US" dirty="0" err="1">
-                <a:solidFill>
-                  <a:schemeClr val="tx1"/>
-                </a:solidFill>
-              </a:rPr>
-              <a:t>myRectangle</a:t>
-            </a:r>
-            <a:r>
-              <a:rPr lang="en-US" dirty="0">
-                <a:solidFill>
-                  <a:schemeClr val="tx1"/>
-                </a:solidFill>
-              </a:rPr>
-              <a:t> = </a:t>
-            </a:r>
-            <a:r>
-              <a:rPr lang="en-US" dirty="0"/>
-              <a:t>new</a:t>
-            </a:r>
-            <a:r>
-              <a:rPr lang="en-US" dirty="0">
-                <a:solidFill>
-                  <a:schemeClr val="tx1"/>
-                </a:solidFill>
-              </a:rPr>
-              <a:t> </a:t>
-            </a:r>
-            <a:r>
-              <a:rPr lang="en-US" dirty="0">
-                <a:solidFill>
-                  <a:srgbClr val="66FFCC"/>
-                </a:solidFill>
-              </a:rPr>
-              <a:t>Rectangle</a:t>
-            </a:r>
-            <a:r>
-              <a:rPr lang="en-US" dirty="0">
-                <a:solidFill>
-                  <a:schemeClr val="tx1"/>
-                </a:solidFill>
-              </a:rPr>
-              <a:t>();</a:t>
+              <a:t>…</a:t>
             </a:r>
           </a:p>
           <a:p>
             <a:pPr>
               <a:lnSpc>
-                <a:spcPct val="113000"/>
+                <a:spcPct val="120000"/>
               </a:lnSpc>
             </a:pPr>
-            <a:r>
-              <a:rPr lang="en-US" dirty="0">
-                <a:solidFill>
-                  <a:schemeClr val="tx1"/>
-                </a:solidFill>
-              </a:rPr>
-              <a:t>  </a:t>
-            </a:r>
-            <a:r>
-              <a:rPr lang="en-US" dirty="0" err="1">
-                <a:solidFill>
-                  <a:schemeClr val="tx1"/>
-                </a:solidFill>
-              </a:rPr>
-              <a:t>myRectangle.</a:t>
-            </a:r>
-            <a:r>
-              <a:rPr lang="en-US" dirty="0" err="1">
-                <a:solidFill>
-                  <a:srgbClr val="CC9900"/>
-                </a:solidFill>
-              </a:rPr>
-              <a:t>SetLength</a:t>
-            </a:r>
-            <a:r>
-              <a:rPr lang="en-US" dirty="0">
-                <a:solidFill>
-                  <a:schemeClr val="tx1"/>
-                </a:solidFill>
-              </a:rPr>
-              <a:t>(</a:t>
-            </a:r>
-            <a:r>
-              <a:rPr lang="en-US" dirty="0">
-                <a:solidFill>
-                  <a:srgbClr val="99CC00"/>
-                </a:solidFill>
-              </a:rPr>
-              <a:t>12</a:t>
-            </a:r>
-            <a:r>
-              <a:rPr lang="en-US" dirty="0">
-                <a:solidFill>
-                  <a:schemeClr val="tx1"/>
-                </a:solidFill>
-              </a:rPr>
-              <a:t>);</a:t>
-            </a:r>
+            <a:endParaRPr lang="en-US" sz="2000" dirty="0">
+              <a:solidFill>
+                <a:schemeClr val="tx1"/>
+              </a:solidFill>
+            </a:endParaRPr>
           </a:p>
           <a:p>
             <a:pPr>
               <a:lnSpc>
-                <a:spcPct val="113000"/>
+                <a:spcPct val="120000"/>
               </a:lnSpc>
             </a:pPr>
-            <a:r>
-              <a:rPr lang="en-US" dirty="0">
+            <a:endParaRPr lang="en-US" sz="2000" dirty="0">
+              <a:solidFill>
+                <a:schemeClr val="tx1"/>
+              </a:solidFill>
+            </a:endParaRPr>
+          </a:p>
+          <a:p>
+            <a:pPr>
+              <a:lnSpc>
+                <a:spcPct val="120000"/>
+              </a:lnSpc>
+            </a:pPr>
+            <a:r>
+              <a:rPr lang="en-US" sz="2000" dirty="0" err="1"/>
+              <a:t>int</a:t>
+            </a:r>
+            <a:r>
+              <a:rPr lang="en-US" sz="2000" dirty="0">
+                <a:solidFill>
+                  <a:schemeClr val="tx1"/>
+                </a:solidFill>
+              </a:rPr>
+              <a:t> </a:t>
+            </a:r>
+            <a:r>
+              <a:rPr lang="en-US" sz="2000" dirty="0" err="1">
+                <a:solidFill>
+                  <a:schemeClr val="tx1"/>
+                </a:solidFill>
+              </a:rPr>
+              <a:t>myLength</a:t>
+            </a:r>
+            <a:r>
+              <a:rPr lang="en-US" sz="2000" dirty="0">
+                <a:solidFill>
+                  <a:schemeClr val="tx1"/>
+                </a:solidFill>
+              </a:rPr>
+              <a:t> = </a:t>
+            </a:r>
+            <a:r>
+              <a:rPr lang="en-US" sz="2000" dirty="0" err="1">
+                <a:solidFill>
+                  <a:schemeClr val="tx1"/>
+                </a:solidFill>
+              </a:rPr>
+              <a:t>myRectangle.</a:t>
+            </a:r>
+            <a:r>
+              <a:rPr lang="en-US" sz="2000" dirty="0" err="1">
+                <a:solidFill>
+                  <a:srgbClr val="CC9900"/>
+                </a:solidFill>
+              </a:rPr>
+              <a:t>GetLength</a:t>
+            </a:r>
+            <a:r>
+              <a:rPr lang="en-US" sz="2000" dirty="0">
+                <a:solidFill>
+                  <a:schemeClr val="tx1"/>
+                </a:solidFill>
+              </a:rPr>
+              <a:t>();</a:t>
+            </a:r>
+          </a:p>
+          <a:p>
+            <a:pPr>
+              <a:lnSpc>
+                <a:spcPct val="120000"/>
+              </a:lnSpc>
+            </a:pPr>
+            <a:r>
+              <a:rPr lang="en-US" sz="2000" dirty="0">
                 <a:solidFill>
                   <a:schemeClr val="tx1"/>
                 </a:solidFill>
@@ -9114,8 +9157,8 @@
         </p:nvSpPr>
         <p:spPr>
           <a:xfrm>
-            <a:off x="5027612" y="4526752"/>
-            <a:ext cx="6705600" cy="1599412"/>
+            <a:off x="6551611" y="2301641"/>
+            <a:ext cx="5545461" cy="1569660"/>
           </a:xfrm>
           <a:prstGeom prst="rect">
             <a:avLst/>
@@ -9147,15 +9190,15 @@
           <a:p>
             <a:pPr>
               <a:lnSpc>
-                <a:spcPct val="113000"/>
+                <a:spcPct val="120000"/>
               </a:lnSpc>
             </a:pPr>
             <a:r>
-              <a:rPr lang="en-US" dirty="0"/>
+              <a:rPr lang="en-US" sz="2000" dirty="0"/>
               <a:t>public void</a:t>
             </a:r>
             <a:r>
-              <a:rPr lang="en-US" dirty="0">
+              <a:rPr lang="en-US" sz="2000" dirty="0">
                 <a:solidFill>
                   <a:schemeClr val="tx1"/>
                 </a:solidFill>
@@ -9163,7 +9206,7 @@
               <a:t> </a:t>
             </a:r>
             <a:r>
-              <a:rPr lang="en-US" dirty="0" err="1">
+              <a:rPr lang="en-US" sz="2000" dirty="0" err="1">
                 <a:solidFill>
                   <a:srgbClr val="CC9900"/>
                 </a:solidFill>
@@ -9171,7 +9214,7 @@
               <a:t>SetLength</a:t>
             </a:r>
             <a:r>
-              <a:rPr lang="en-US" dirty="0">
+              <a:rPr lang="en-US" sz="2000" dirty="0">
                 <a:solidFill>
                   <a:schemeClr val="tx1"/>
                 </a:solidFill>
@@ -9179,11 +9222,11 @@
               <a:t>(</a:t>
             </a:r>
             <a:r>
-              <a:rPr lang="en-US" dirty="0"/>
+              <a:rPr lang="en-US" sz="2000" dirty="0" err="1"/>
               <a:t>int</a:t>
             </a:r>
             <a:r>
-              <a:rPr lang="en-US" dirty="0">
+              <a:rPr lang="en-US" sz="2000" dirty="0">
                 <a:solidFill>
                   <a:schemeClr val="tx1"/>
                 </a:solidFill>
@@ -9191,15 +9234,15 @@
               <a:t> </a:t>
             </a:r>
             <a:r>
-              <a:rPr lang="en-US" dirty="0" err="1">
+              <a:rPr lang="en-US" sz="2000" dirty="0" err="1">
                 <a:solidFill>
                   <a:schemeClr val="tx1"/>
                 </a:solidFill>
               </a:rPr>
-              <a:t>lengthParameter</a:t>
-            </a:r>
-            <a:r>
-              <a:rPr lang="en-US" dirty="0">
+              <a:t>lengthParam</a:t>
+            </a:r>
+            <a:r>
+              <a:rPr lang="en-US" sz="2000" dirty="0">
                 <a:solidFill>
                   <a:schemeClr val="tx1"/>
                 </a:solidFill>
@@ -9210,11 +9253,11 @@
           <a:p>
             <a:pPr>
               <a:lnSpc>
-                <a:spcPct val="113000"/>
+                <a:spcPct val="120000"/>
               </a:lnSpc>
             </a:pPr>
             <a:r>
-              <a:rPr lang="en-US" dirty="0">
+              <a:rPr lang="en-US" sz="2000" dirty="0">
                 <a:solidFill>
                   <a:schemeClr val="tx1"/>
                 </a:solidFill>
@@ -9225,11 +9268,11 @@
           <a:p>
             <a:pPr>
               <a:lnSpc>
-                <a:spcPct val="113000"/>
+                <a:spcPct val="120000"/>
               </a:lnSpc>
             </a:pPr>
             <a:r>
-              <a:rPr lang="en-US" dirty="0">
+              <a:rPr lang="en-US" sz="2000" dirty="0">
                 <a:solidFill>
                   <a:schemeClr val="tx1"/>
                 </a:solidFill>
@@ -9237,15 +9280,15 @@
               <a:t>  length = </a:t>
             </a:r>
             <a:r>
-              <a:rPr lang="en-US" dirty="0" err="1">
+              <a:rPr lang="en-US" sz="2000" dirty="0" err="1">
                 <a:solidFill>
                   <a:schemeClr val="tx1"/>
                 </a:solidFill>
               </a:rPr>
-              <a:t>lengthParameter</a:t>
-            </a:r>
-            <a:r>
-              <a:rPr lang="en-US" dirty="0">
+              <a:t>lengthParam</a:t>
+            </a:r>
+            <a:r>
+              <a:rPr lang="en-US" sz="2000" dirty="0">
                 <a:solidFill>
                   <a:schemeClr val="tx1"/>
                 </a:solidFill>
@@ -9256,11 +9299,11 @@
           <a:p>
             <a:pPr>
               <a:lnSpc>
-                <a:spcPct val="113000"/>
+                <a:spcPct val="120000"/>
               </a:lnSpc>
             </a:pPr>
             <a:r>
-              <a:rPr lang="en-US" dirty="0">
+              <a:rPr lang="en-US" sz="2000" dirty="0">
                 <a:solidFill>
                   <a:schemeClr val="tx1"/>
                 </a:solidFill>
@@ -9284,7 +9327,7 @@
         </p:nvSpPr>
         <p:spPr>
           <a:xfrm>
-            <a:off x="2818826" y="1371600"/>
+            <a:off x="2248128" y="1318178"/>
             <a:ext cx="2053767" cy="461665"/>
           </a:xfrm>
           <a:prstGeom prst="rect">
@@ -9327,7 +9370,7 @@
         </p:nvSpPr>
         <p:spPr>
           <a:xfrm>
-            <a:off x="7263760" y="4101258"/>
+            <a:off x="8237221" y="1876147"/>
             <a:ext cx="2233304" cy="461665"/>
           </a:xfrm>
           <a:prstGeom prst="rect">
@@ -9353,134 +9396,6 @@
               <a:rPr lang="en-US" dirty="0"/>
               <a:t>:</a:t>
             </a:r>
-          </a:p>
-        </p:txBody>
-      </p:sp>
-      <p:sp>
-        <p:nvSpPr>
-          <p:cNvPr id="9" name="Freeform: Shape 8">
-            <a:extLst>
-              <a:ext uri="{FF2B5EF4-FFF2-40B4-BE49-F238E27FC236}">
-                <a16:creationId xmlns:a16="http://schemas.microsoft.com/office/drawing/2014/main" id="{1EB92FE0-6C3F-4870-9DA0-2CEF184B1BA0}"/>
-              </a:ext>
-            </a:extLst>
-          </p:cNvPr>
-          <p:cNvSpPr/>
-          <p:nvPr/>
-        </p:nvSpPr>
-        <p:spPr>
-          <a:xfrm>
-            <a:off x="4367632" y="3195237"/>
-            <a:ext cx="987708" cy="1589705"/>
-          </a:xfrm>
-          <a:custGeom>
-            <a:avLst/>
-            <a:gdLst>
-              <a:gd name="connsiteX0" fmla="*/ 417293 w 970198"/>
-              <a:gd name="connsiteY0" fmla="*/ 12189 h 1596731"/>
-              <a:gd name="connsiteX1" fmla="*/ 968438 w 970198"/>
-              <a:gd name="connsiteY1" fmla="*/ 68556 h 1596731"/>
-              <a:gd name="connsiteX2" fmla="*/ 573868 w 970198"/>
-              <a:gd name="connsiteY2" fmla="*/ 538282 h 1596731"/>
-              <a:gd name="connsiteX3" fmla="*/ 66564 w 970198"/>
-              <a:gd name="connsiteY3" fmla="*/ 1058112 h 1596731"/>
-              <a:gd name="connsiteX4" fmla="*/ 72827 w 970198"/>
-              <a:gd name="connsiteY4" fmla="*/ 1452682 h 1596731"/>
-              <a:gd name="connsiteX5" fmla="*/ 680339 w 970198"/>
-              <a:gd name="connsiteY5" fmla="*/ 1596731 h 1596731"/>
-              <a:gd name="connsiteX0" fmla="*/ 417293 w 974954"/>
-              <a:gd name="connsiteY0" fmla="*/ 44030 h 1628572"/>
-              <a:gd name="connsiteX1" fmla="*/ 968438 w 974954"/>
-              <a:gd name="connsiteY1" fmla="*/ 100397 h 1628572"/>
-              <a:gd name="connsiteX2" fmla="*/ 66564 w 974954"/>
-              <a:gd name="connsiteY2" fmla="*/ 1089953 h 1628572"/>
-              <a:gd name="connsiteX3" fmla="*/ 72827 w 974954"/>
-              <a:gd name="connsiteY3" fmla="*/ 1484523 h 1628572"/>
-              <a:gd name="connsiteX4" fmla="*/ 680339 w 974954"/>
-              <a:gd name="connsiteY4" fmla="*/ 1628572 h 1628572"/>
-              <a:gd name="connsiteX0" fmla="*/ 442363 w 987708"/>
-              <a:gd name="connsiteY0" fmla="*/ 5163 h 1589705"/>
-              <a:gd name="connsiteX1" fmla="*/ 980982 w 987708"/>
-              <a:gd name="connsiteY1" fmla="*/ 174264 h 1589705"/>
-              <a:gd name="connsiteX2" fmla="*/ 91634 w 987708"/>
-              <a:gd name="connsiteY2" fmla="*/ 1051086 h 1589705"/>
-              <a:gd name="connsiteX3" fmla="*/ 97897 w 987708"/>
-              <a:gd name="connsiteY3" fmla="*/ 1445656 h 1589705"/>
-              <a:gd name="connsiteX4" fmla="*/ 705409 w 987708"/>
-              <a:gd name="connsiteY4" fmla="*/ 1589705 h 1589705"/>
-            </a:gdLst>
-            <a:ahLst/>
-            <a:cxnLst>
-              <a:cxn ang="0">
-                <a:pos x="connsiteX0" y="connsiteY0"/>
-              </a:cxn>
-              <a:cxn ang="0">
-                <a:pos x="connsiteX1" y="connsiteY1"/>
-              </a:cxn>
-              <a:cxn ang="0">
-                <a:pos x="connsiteX2" y="connsiteY2"/>
-              </a:cxn>
-              <a:cxn ang="0">
-                <a:pos x="connsiteX3" y="connsiteY3"/>
-              </a:cxn>
-              <a:cxn ang="0">
-                <a:pos x="connsiteX4" y="connsiteY4"/>
-              </a:cxn>
-            </a:cxnLst>
-            <a:rect l="l" t="t" r="r" b="b"/>
-            <a:pathLst>
-              <a:path w="987708" h="1589705">
-                <a:moveTo>
-                  <a:pt x="442363" y="5163"/>
-                </a:moveTo>
-                <a:cubicBezTo>
-                  <a:pt x="704887" y="-10495"/>
-                  <a:pt x="1039437" y="-56"/>
-                  <a:pt x="980982" y="174264"/>
-                </a:cubicBezTo>
-                <a:cubicBezTo>
-                  <a:pt x="922527" y="348584"/>
-                  <a:pt x="238815" y="839187"/>
-                  <a:pt x="91634" y="1051086"/>
-                </a:cubicBezTo>
-                <a:cubicBezTo>
-                  <a:pt x="-55547" y="1262985"/>
-                  <a:pt x="-4399" y="1355886"/>
-                  <a:pt x="97897" y="1445656"/>
-                </a:cubicBezTo>
-                <a:cubicBezTo>
-                  <a:pt x="200193" y="1535426"/>
-                  <a:pt x="452801" y="1562565"/>
-                  <a:pt x="705409" y="1589705"/>
-                </a:cubicBezTo>
-              </a:path>
-            </a:pathLst>
-          </a:custGeom>
-          <a:ln>
-            <a:headEnd type="none" w="med" len="med"/>
-            <a:tailEnd type="triangle" w="med" len="med"/>
-          </a:ln>
-        </p:spPr>
-        <p:style>
-          <a:lnRef idx="2">
-            <a:schemeClr val="accent6"/>
-          </a:lnRef>
-          <a:fillRef idx="0">
-            <a:schemeClr val="accent6"/>
-          </a:fillRef>
-          <a:effectRef idx="1">
-            <a:schemeClr val="accent6"/>
-          </a:effectRef>
-          <a:fontRef idx="minor">
-            <a:schemeClr val="tx1"/>
-          </a:fontRef>
-        </p:style>
-        <p:txBody>
-          <a:bodyPr rtlCol="0" anchor="ctr"/>
-          <a:lstStyle/>
-          <a:p>
-            <a:pPr algn="ctr"/>
-            <a:endParaRPr lang="en-US"/>
           </a:p>
         </p:txBody>
       </p:sp>
@@ -9498,8 +9413,8 @@
         </p:nvSpPr>
         <p:spPr>
           <a:xfrm>
-            <a:off x="10026452" y="3578050"/>
-            <a:ext cx="1379032" cy="461665"/>
+            <a:off x="10821851" y="1441943"/>
+            <a:ext cx="1275221" cy="430887"/>
           </a:xfrm>
           <a:prstGeom prst="rect">
             <a:avLst/>
@@ -9513,11 +9428,11 @@
           <a:lstStyle/>
           <a:p>
             <a:r>
-              <a:rPr lang="en-US" dirty="0"/>
+              <a:rPr lang="en-US" sz="2200" dirty="0"/>
               <a:t>Value: </a:t>
             </a:r>
             <a:r>
-              <a:rPr lang="en-US" dirty="0">
+              <a:rPr lang="en-US" sz="2200" dirty="0">
                 <a:latin typeface="Consolas" panose="020B0609020204030204" pitchFamily="49" charset="0"/>
               </a:rPr>
               <a:t>12</a:t>
@@ -9541,7 +9456,7 @@
         </p:nvCxnSpPr>
         <p:spPr>
           <a:xfrm flipH="1">
-            <a:off x="10498980" y="3990089"/>
+            <a:off x="11216941" y="1779843"/>
             <a:ext cx="232316" cy="658111"/>
           </a:xfrm>
           <a:prstGeom prst="straightConnector1">
@@ -9580,8 +9495,8 @@
         </p:nvSpPr>
         <p:spPr>
           <a:xfrm>
-            <a:off x="1066226" y="5163195"/>
-            <a:ext cx="3301406" cy="830997"/>
+            <a:off x="6413302" y="1049094"/>
+            <a:ext cx="3301406" cy="769441"/>
           </a:xfrm>
           <a:prstGeom prst="rect">
             <a:avLst/>
@@ -9595,26 +9510,26 @@
           <a:lstStyle/>
           <a:p>
             <a:r>
-              <a:rPr lang="en-US" dirty="0"/>
+              <a:rPr lang="en-US" sz="2200" dirty="0"/>
               <a:t>The </a:t>
             </a:r>
             <a:r>
-              <a:rPr lang="en-US" dirty="0">
+              <a:rPr lang="en-US" sz="2200" dirty="0">
                 <a:latin typeface="Consolas" panose="020B0609020204030204" pitchFamily="49" charset="0"/>
               </a:rPr>
               <a:t>length</a:t>
             </a:r>
             <a:r>
-              <a:rPr lang="en-US" dirty="0"/>
+              <a:rPr lang="en-US" sz="2200" dirty="0"/>
               <a:t> variable stored in </a:t>
             </a:r>
             <a:r>
-              <a:rPr lang="en-US" dirty="0" err="1">
+              <a:rPr lang="en-US" sz="2200" dirty="0" err="1">
                 <a:latin typeface="Consolas" panose="020B0609020204030204" pitchFamily="49" charset="0"/>
               </a:rPr>
               <a:t>myRectangle</a:t>
             </a:r>
-            <a:endParaRPr lang="en-US" dirty="0">
+            <a:endParaRPr lang="en-US" sz="2200" dirty="0">
               <a:latin typeface="Consolas" panose="020B0609020204030204" pitchFamily="49" charset="0"/>
             </a:endParaRPr>
           </a:p>
@@ -9634,8 +9549,3945 @@
         </p:nvCxnSpPr>
         <p:spPr>
           <a:xfrm>
-            <a:off x="3973722" y="5464711"/>
-            <a:ext cx="1447800" cy="76200"/>
+            <a:off x="7551422" y="1733676"/>
+            <a:ext cx="11611" cy="1390524"/>
+          </a:xfrm>
+          <a:prstGeom prst="straightConnector1">
+            <a:avLst/>
+          </a:prstGeom>
+          <a:ln>
+            <a:tailEnd type="triangle"/>
+          </a:ln>
+        </p:spPr>
+        <p:style>
+          <a:lnRef idx="2">
+            <a:schemeClr val="accent6"/>
+          </a:lnRef>
+          <a:fillRef idx="0">
+            <a:schemeClr val="accent6"/>
+          </a:fillRef>
+          <a:effectRef idx="1">
+            <a:schemeClr val="accent6"/>
+          </a:effectRef>
+          <a:fontRef idx="minor">
+            <a:schemeClr val="tx1"/>
+          </a:fontRef>
+        </p:style>
+      </p:cxnSp>
+      <p:sp>
+        <p:nvSpPr>
+          <p:cNvPr id="18" name="TextBox 17">
+            <a:extLst>
+              <a:ext uri="{FF2B5EF4-FFF2-40B4-BE49-F238E27FC236}">
+                <a16:creationId xmlns:a16="http://schemas.microsoft.com/office/drawing/2014/main" id="{8F70A824-B5D0-44BF-9C52-CBCEE5A39593}"/>
+              </a:ext>
+            </a:extLst>
+          </p:cNvPr>
+          <p:cNvSpPr txBox="1"/>
+          <p:nvPr/>
+        </p:nvSpPr>
+        <p:spPr>
+          <a:xfrm>
+            <a:off x="6551611" y="4507905"/>
+            <a:ext cx="5541677" cy="1569660"/>
+          </a:xfrm>
+          <a:prstGeom prst="rect">
+            <a:avLst/>
+          </a:prstGeom>
+          <a:solidFill>
+            <a:schemeClr val="bg1">
+              <a:lumMod val="85000"/>
+              <a:lumOff val="15000"/>
+            </a:schemeClr>
+          </a:solidFill>
+        </p:spPr>
+        <p:txBody>
+          <a:bodyPr wrap="square" rtlCol="0">
+            <a:spAutoFit/>
+          </a:bodyPr>
+          <a:lstStyle>
+            <a:defPPr>
+              <a:defRPr lang="en-US"/>
+            </a:defPPr>
+            <a:lvl1pPr>
+              <a:defRPr sz="2200">
+                <a:solidFill>
+                  <a:srgbClr val="0099FF"/>
+                </a:solidFill>
+                <a:latin typeface="Consolas" panose="020B0609020204030204" pitchFamily="49" charset="0"/>
+              </a:defRPr>
+            </a:lvl1pPr>
+          </a:lstStyle>
+          <a:p>
+            <a:pPr>
+              <a:lnSpc>
+                <a:spcPct val="120000"/>
+              </a:lnSpc>
+            </a:pPr>
+            <a:r>
+              <a:rPr lang="en-US" sz="2000" dirty="0"/>
+              <a:t>public </a:t>
+            </a:r>
+            <a:r>
+              <a:rPr lang="en-US" sz="2000" dirty="0" err="1"/>
+              <a:t>int</a:t>
+            </a:r>
+            <a:r>
+              <a:rPr lang="en-US" sz="2000" dirty="0">
+                <a:solidFill>
+                  <a:schemeClr val="tx1"/>
+                </a:solidFill>
+              </a:rPr>
+              <a:t> </a:t>
+            </a:r>
+            <a:r>
+              <a:rPr lang="en-US" sz="2000" dirty="0" err="1">
+                <a:solidFill>
+                  <a:srgbClr val="CC9900"/>
+                </a:solidFill>
+              </a:rPr>
+              <a:t>GetLength</a:t>
+            </a:r>
+            <a:r>
+              <a:rPr lang="en-US" sz="2000" dirty="0">
+                <a:solidFill>
+                  <a:schemeClr val="tx1"/>
+                </a:solidFill>
+              </a:rPr>
+              <a:t>()</a:t>
+            </a:r>
+          </a:p>
+          <a:p>
+            <a:pPr>
+              <a:lnSpc>
+                <a:spcPct val="120000"/>
+              </a:lnSpc>
+            </a:pPr>
+            <a:r>
+              <a:rPr lang="en-US" sz="2000" dirty="0">
+                <a:solidFill>
+                  <a:schemeClr val="tx1"/>
+                </a:solidFill>
+              </a:rPr>
+              <a:t>{</a:t>
+            </a:r>
+          </a:p>
+          <a:p>
+            <a:pPr>
+              <a:lnSpc>
+                <a:spcPct val="120000"/>
+              </a:lnSpc>
+            </a:pPr>
+            <a:r>
+              <a:rPr lang="en-US" sz="2000" dirty="0">
+                <a:solidFill>
+                  <a:schemeClr val="tx1"/>
+                </a:solidFill>
+              </a:rPr>
+              <a:t>  </a:t>
+            </a:r>
+            <a:r>
+              <a:rPr lang="en-US" sz="2000" dirty="0">
+                <a:solidFill>
+                  <a:srgbClr val="9933FF"/>
+                </a:solidFill>
+              </a:rPr>
+              <a:t>return</a:t>
+            </a:r>
+            <a:r>
+              <a:rPr lang="en-US" sz="2000" dirty="0">
+                <a:solidFill>
+                  <a:schemeClr val="tx1"/>
+                </a:solidFill>
+              </a:rPr>
+              <a:t> length;</a:t>
+            </a:r>
+          </a:p>
+          <a:p>
+            <a:pPr>
+              <a:lnSpc>
+                <a:spcPct val="120000"/>
+              </a:lnSpc>
+            </a:pPr>
+            <a:r>
+              <a:rPr lang="en-US" sz="2000" dirty="0">
+                <a:solidFill>
+                  <a:schemeClr val="tx1"/>
+                </a:solidFill>
+              </a:rPr>
+              <a:t>}</a:t>
+            </a:r>
+          </a:p>
+        </p:txBody>
+      </p:sp>
+      <p:cxnSp>
+        <p:nvCxnSpPr>
+          <p:cNvPr id="14" name="Straight Arrow Connector 13"/>
+          <p:cNvCxnSpPr/>
+          <p:nvPr/>
+        </p:nvCxnSpPr>
+        <p:spPr>
+          <a:xfrm>
+            <a:off x="4037012" y="2337812"/>
+            <a:ext cx="2514599" cy="252988"/>
+          </a:xfrm>
+          <a:prstGeom prst="straightConnector1">
+            <a:avLst/>
+          </a:prstGeom>
+          <a:ln>
+            <a:tailEnd type="triangle"/>
+          </a:ln>
+        </p:spPr>
+        <p:style>
+          <a:lnRef idx="2">
+            <a:schemeClr val="accent3"/>
+          </a:lnRef>
+          <a:fillRef idx="0">
+            <a:schemeClr val="accent3"/>
+          </a:fillRef>
+          <a:effectRef idx="1">
+            <a:schemeClr val="accent3"/>
+          </a:effectRef>
+          <a:fontRef idx="minor">
+            <a:schemeClr val="tx1"/>
+          </a:fontRef>
+        </p:style>
+      </p:cxnSp>
+      <p:cxnSp>
+        <p:nvCxnSpPr>
+          <p:cNvPr id="22" name="Straight Arrow Connector 21"/>
+          <p:cNvCxnSpPr/>
+          <p:nvPr/>
+        </p:nvCxnSpPr>
+        <p:spPr>
+          <a:xfrm flipH="1" flipV="1">
+            <a:off x="3351213" y="2743200"/>
+            <a:ext cx="3276599" cy="914400"/>
+          </a:xfrm>
+          <a:prstGeom prst="straightConnector1">
+            <a:avLst/>
+          </a:prstGeom>
+          <a:ln>
+            <a:tailEnd type="triangle"/>
+          </a:ln>
+        </p:spPr>
+        <p:style>
+          <a:lnRef idx="2">
+            <a:schemeClr val="accent3"/>
+          </a:lnRef>
+          <a:fillRef idx="0">
+            <a:schemeClr val="accent3"/>
+          </a:fillRef>
+          <a:effectRef idx="1">
+            <a:schemeClr val="accent3"/>
+          </a:effectRef>
+          <a:fontRef idx="minor">
+            <a:schemeClr val="tx1"/>
+          </a:fontRef>
+        </p:style>
+      </p:cxnSp>
+      <p:sp>
+        <p:nvSpPr>
+          <p:cNvPr id="26" name="TextBox 25">
+            <a:extLst>
+              <a:ext uri="{FF2B5EF4-FFF2-40B4-BE49-F238E27FC236}">
+                <a16:creationId xmlns:a16="http://schemas.microsoft.com/office/drawing/2014/main" id="{0817101C-990C-4E67-9BF3-FE1DB3F87723}"/>
+              </a:ext>
+            </a:extLst>
+          </p:cNvPr>
+          <p:cNvSpPr txBox="1"/>
+          <p:nvPr/>
+        </p:nvSpPr>
+        <p:spPr>
+          <a:xfrm>
+            <a:off x="9218612" y="5292735"/>
+            <a:ext cx="3301406" cy="769441"/>
+          </a:xfrm>
+          <a:prstGeom prst="rect">
+            <a:avLst/>
+          </a:prstGeom>
+          <a:noFill/>
+        </p:spPr>
+        <p:txBody>
+          <a:bodyPr wrap="square" rtlCol="0">
+            <a:spAutoFit/>
+          </a:bodyPr>
+          <a:lstStyle/>
+          <a:p>
+            <a:r>
+              <a:rPr lang="en-US" sz="2200" dirty="0"/>
+              <a:t>The </a:t>
+            </a:r>
+            <a:r>
+              <a:rPr lang="en-US" sz="2200" dirty="0">
+                <a:latin typeface="Consolas" panose="020B0609020204030204" pitchFamily="49" charset="0"/>
+              </a:rPr>
+              <a:t>length</a:t>
+            </a:r>
+            <a:r>
+              <a:rPr lang="en-US" sz="2200" dirty="0"/>
+              <a:t> variable stored in </a:t>
+            </a:r>
+            <a:r>
+              <a:rPr lang="en-US" sz="2200" dirty="0" err="1">
+                <a:latin typeface="Consolas" panose="020B0609020204030204" pitchFamily="49" charset="0"/>
+              </a:rPr>
+              <a:t>myRectangle</a:t>
+            </a:r>
+            <a:endParaRPr lang="en-US" sz="2200" dirty="0">
+              <a:latin typeface="Consolas" panose="020B0609020204030204" pitchFamily="49" charset="0"/>
+            </a:endParaRPr>
+          </a:p>
+        </p:txBody>
+      </p:sp>
+      <p:cxnSp>
+        <p:nvCxnSpPr>
+          <p:cNvPr id="27" name="Straight Arrow Connector 26">
+            <a:extLst>
+              <a:ext uri="{FF2B5EF4-FFF2-40B4-BE49-F238E27FC236}">
+                <a16:creationId xmlns:a16="http://schemas.microsoft.com/office/drawing/2014/main" id="{61A9CD21-9C60-4F56-AB82-5914423078F3}"/>
+              </a:ext>
+            </a:extLst>
+          </p:cNvPr>
+          <p:cNvCxnSpPr/>
+          <p:nvPr/>
+        </p:nvCxnSpPr>
+        <p:spPr>
+          <a:xfrm flipH="1" flipV="1">
+            <a:off x="8609013" y="5608873"/>
+            <a:ext cx="609599" cy="175281"/>
+          </a:xfrm>
+          <a:prstGeom prst="straightConnector1">
+            <a:avLst/>
+          </a:prstGeom>
+          <a:ln>
+            <a:tailEnd type="triangle"/>
+          </a:ln>
+        </p:spPr>
+        <p:style>
+          <a:lnRef idx="2">
+            <a:schemeClr val="accent6"/>
+          </a:lnRef>
+          <a:fillRef idx="0">
+            <a:schemeClr val="accent6"/>
+          </a:fillRef>
+          <a:effectRef idx="1">
+            <a:schemeClr val="accent6"/>
+          </a:effectRef>
+          <a:fontRef idx="minor">
+            <a:schemeClr val="tx1"/>
+          </a:fontRef>
+        </p:style>
+      </p:cxnSp>
+      <p:cxnSp>
+        <p:nvCxnSpPr>
+          <p:cNvPr id="30" name="Straight Arrow Connector 29"/>
+          <p:cNvCxnSpPr/>
+          <p:nvPr/>
+        </p:nvCxnSpPr>
+        <p:spPr>
+          <a:xfrm>
+            <a:off x="5722622" y="3878147"/>
+            <a:ext cx="981390" cy="704509"/>
+          </a:xfrm>
+          <a:prstGeom prst="straightConnector1">
+            <a:avLst/>
+          </a:prstGeom>
+          <a:ln>
+            <a:tailEnd type="triangle"/>
+          </a:ln>
+        </p:spPr>
+        <p:style>
+          <a:lnRef idx="2">
+            <a:schemeClr val="accent3"/>
+          </a:lnRef>
+          <a:fillRef idx="0">
+            <a:schemeClr val="accent3"/>
+          </a:fillRef>
+          <a:effectRef idx="1">
+            <a:schemeClr val="accent3"/>
+          </a:effectRef>
+          <a:fontRef idx="minor">
+            <a:schemeClr val="tx1"/>
+          </a:fontRef>
+        </p:style>
+      </p:cxnSp>
+      <p:cxnSp>
+        <p:nvCxnSpPr>
+          <p:cNvPr id="32" name="Straight Arrow Connector 31"/>
+          <p:cNvCxnSpPr/>
+          <p:nvPr/>
+        </p:nvCxnSpPr>
+        <p:spPr>
+          <a:xfrm flipH="1" flipV="1">
+            <a:off x="2055812" y="4049256"/>
+            <a:ext cx="4762501" cy="1457389"/>
+          </a:xfrm>
+          <a:prstGeom prst="straightConnector1">
+            <a:avLst/>
+          </a:prstGeom>
+          <a:ln>
+            <a:tailEnd type="triangle"/>
+          </a:ln>
+        </p:spPr>
+        <p:style>
+          <a:lnRef idx="2">
+            <a:schemeClr val="accent3"/>
+          </a:lnRef>
+          <a:fillRef idx="0">
+            <a:schemeClr val="accent3"/>
+          </a:fillRef>
+          <a:effectRef idx="1">
+            <a:schemeClr val="accent3"/>
+          </a:effectRef>
+          <a:fontRef idx="minor">
+            <a:schemeClr val="tx1"/>
+          </a:fontRef>
+        </p:style>
+      </p:cxnSp>
+      <p:sp>
+        <p:nvSpPr>
+          <p:cNvPr id="36" name="TextBox 35">
+            <a:extLst>
+              <a:ext uri="{FF2B5EF4-FFF2-40B4-BE49-F238E27FC236}">
+                <a16:creationId xmlns:a16="http://schemas.microsoft.com/office/drawing/2014/main" id="{EDF22A51-EC39-4A43-90C2-3BF790DA08BC}"/>
+              </a:ext>
+            </a:extLst>
+          </p:cNvPr>
+          <p:cNvSpPr txBox="1"/>
+          <p:nvPr/>
+        </p:nvSpPr>
+        <p:spPr>
+          <a:xfrm>
+            <a:off x="3819382" y="4949533"/>
+            <a:ext cx="1275221" cy="430887"/>
+          </a:xfrm>
+          <a:prstGeom prst="rect">
+            <a:avLst/>
+          </a:prstGeom>
+          <a:noFill/>
+        </p:spPr>
+        <p:txBody>
+          <a:bodyPr wrap="none" rtlCol="0">
+            <a:spAutoFit/>
+          </a:bodyPr>
+          <a:lstStyle/>
+          <a:p>
+            <a:r>
+              <a:rPr lang="en-US" sz="2200" dirty="0"/>
+              <a:t>Value: </a:t>
+            </a:r>
+            <a:r>
+              <a:rPr lang="en-US" sz="2200" dirty="0">
+                <a:latin typeface="Consolas" panose="020B0609020204030204" pitchFamily="49" charset="0"/>
+              </a:rPr>
+              <a:t>12</a:t>
+            </a:r>
+          </a:p>
+        </p:txBody>
+      </p:sp>
+    </p:spTree>
+    <p:extLst>
+      <p:ext uri="{BB962C8B-B14F-4D97-AF65-F5344CB8AC3E}">
+        <p14:creationId xmlns:p14="http://schemas.microsoft.com/office/powerpoint/2010/main" val="1247204109"/>
+      </p:ext>
+    </p:extLst>
+  </p:cSld>
+  <p:clrMapOvr>
+    <a:masterClrMapping/>
+  </p:clrMapOvr>
+  <p:timing>
+    <p:tnLst>
+      <p:par>
+        <p:cTn id="1" dur="indefinite" restart="never" nodeType="tmRoot">
+          <p:childTnLst>
+            <p:seq concurrent="1" nextAc="seek">
+              <p:cTn id="2" dur="indefinite" nodeType="mainSeq">
+                <p:childTnLst>
+                  <p:par>
+                    <p:cTn id="3" fill="hold">
+                      <p:stCondLst>
+                        <p:cond delay="indefinite"/>
+                      </p:stCondLst>
+                      <p:childTnLst>
+                        <p:par>
+                          <p:cTn id="4" fill="hold">
+                            <p:stCondLst>
+                              <p:cond delay="0"/>
+                            </p:stCondLst>
+                            <p:childTnLst>
+                              <p:par>
+                                <p:cTn id="5" presetID="1" presetClass="entr" presetSubtype="0" fill="hold" nodeType="clickEffect">
+                                  <p:stCondLst>
+                                    <p:cond delay="0"/>
+                                  </p:stCondLst>
+                                  <p:childTnLst>
+                                    <p:set>
+                                      <p:cBhvr>
+                                        <p:cTn id="6" dur="1" fill="hold">
+                                          <p:stCondLst>
+                                            <p:cond delay="0"/>
+                                          </p:stCondLst>
+                                        </p:cTn>
+                                        <p:tgtEl>
+                                          <p:spTgt spid="14"/>
+                                        </p:tgtEl>
+                                        <p:attrNameLst>
+                                          <p:attrName>style.visibility</p:attrName>
+                                        </p:attrNameLst>
+                                      </p:cBhvr>
+                                      <p:to>
+                                        <p:strVal val="visible"/>
+                                      </p:to>
+                                    </p:set>
+                                  </p:childTnLst>
+                                </p:cTn>
+                              </p:par>
+                            </p:childTnLst>
+                          </p:cTn>
+                        </p:par>
+                      </p:childTnLst>
+                    </p:cTn>
+                  </p:par>
+                  <p:par>
+                    <p:cTn id="7" fill="hold">
+                      <p:stCondLst>
+                        <p:cond delay="indefinite"/>
+                      </p:stCondLst>
+                      <p:childTnLst>
+                        <p:par>
+                          <p:cTn id="8" fill="hold">
+                            <p:stCondLst>
+                              <p:cond delay="0"/>
+                            </p:stCondLst>
+                            <p:childTnLst>
+                              <p:par>
+                                <p:cTn id="9" presetID="1" presetClass="entr" presetSubtype="0" fill="hold" grpId="0" nodeType="clickEffect">
+                                  <p:stCondLst>
+                                    <p:cond delay="0"/>
+                                  </p:stCondLst>
+                                  <p:childTnLst>
+                                    <p:set>
+                                      <p:cBhvr>
+                                        <p:cTn id="10" dur="1" fill="hold">
+                                          <p:stCondLst>
+                                            <p:cond delay="0"/>
+                                          </p:stCondLst>
+                                        </p:cTn>
+                                        <p:tgtEl>
+                                          <p:spTgt spid="15"/>
+                                        </p:tgtEl>
+                                        <p:attrNameLst>
+                                          <p:attrName>style.visibility</p:attrName>
+                                        </p:attrNameLst>
+                                      </p:cBhvr>
+                                      <p:to>
+                                        <p:strVal val="visible"/>
+                                      </p:to>
+                                    </p:set>
+                                  </p:childTnLst>
+                                </p:cTn>
+                              </p:par>
+                              <p:par>
+                                <p:cTn id="11" presetID="1" presetClass="entr" presetSubtype="0" fill="hold" nodeType="withEffect">
+                                  <p:stCondLst>
+                                    <p:cond delay="0"/>
+                                  </p:stCondLst>
+                                  <p:childTnLst>
+                                    <p:set>
+                                      <p:cBhvr>
+                                        <p:cTn id="12" dur="1" fill="hold">
+                                          <p:stCondLst>
+                                            <p:cond delay="0"/>
+                                          </p:stCondLst>
+                                        </p:cTn>
+                                        <p:tgtEl>
+                                          <p:spTgt spid="17"/>
+                                        </p:tgtEl>
+                                        <p:attrNameLst>
+                                          <p:attrName>style.visibility</p:attrName>
+                                        </p:attrNameLst>
+                                      </p:cBhvr>
+                                      <p:to>
+                                        <p:strVal val="visible"/>
+                                      </p:to>
+                                    </p:set>
+                                  </p:childTnLst>
+                                </p:cTn>
+                              </p:par>
+                              <p:par>
+                                <p:cTn id="13" presetID="1" presetClass="entr" presetSubtype="0" fill="hold" grpId="0" nodeType="withEffect">
+                                  <p:stCondLst>
+                                    <p:cond delay="0"/>
+                                  </p:stCondLst>
+                                  <p:childTnLst>
+                                    <p:set>
+                                      <p:cBhvr>
+                                        <p:cTn id="14" dur="1" fill="hold">
+                                          <p:stCondLst>
+                                            <p:cond delay="0"/>
+                                          </p:stCondLst>
+                                        </p:cTn>
+                                        <p:tgtEl>
+                                          <p:spTgt spid="10"/>
+                                        </p:tgtEl>
+                                        <p:attrNameLst>
+                                          <p:attrName>style.visibility</p:attrName>
+                                        </p:attrNameLst>
+                                      </p:cBhvr>
+                                      <p:to>
+                                        <p:strVal val="visible"/>
+                                      </p:to>
+                                    </p:set>
+                                  </p:childTnLst>
+                                </p:cTn>
+                              </p:par>
+                              <p:par>
+                                <p:cTn id="15" presetID="1" presetClass="entr" presetSubtype="0" fill="hold" nodeType="withEffect">
+                                  <p:stCondLst>
+                                    <p:cond delay="0"/>
+                                  </p:stCondLst>
+                                  <p:childTnLst>
+                                    <p:set>
+                                      <p:cBhvr>
+                                        <p:cTn id="16" dur="1" fill="hold">
+                                          <p:stCondLst>
+                                            <p:cond delay="0"/>
+                                          </p:stCondLst>
+                                        </p:cTn>
+                                        <p:tgtEl>
+                                          <p:spTgt spid="12"/>
+                                        </p:tgtEl>
+                                        <p:attrNameLst>
+                                          <p:attrName>style.visibility</p:attrName>
+                                        </p:attrNameLst>
+                                      </p:cBhvr>
+                                      <p:to>
+                                        <p:strVal val="visible"/>
+                                      </p:to>
+                                    </p:set>
+                                  </p:childTnLst>
+                                </p:cTn>
+                              </p:par>
+                            </p:childTnLst>
+                          </p:cTn>
+                        </p:par>
+                      </p:childTnLst>
+                    </p:cTn>
+                  </p:par>
+                  <p:par>
+                    <p:cTn id="17" fill="hold">
+                      <p:stCondLst>
+                        <p:cond delay="indefinite"/>
+                      </p:stCondLst>
+                      <p:childTnLst>
+                        <p:par>
+                          <p:cTn id="18" fill="hold">
+                            <p:stCondLst>
+                              <p:cond delay="0"/>
+                            </p:stCondLst>
+                            <p:childTnLst>
+                              <p:par>
+                                <p:cTn id="19" presetID="1" presetClass="entr" presetSubtype="0" fill="hold" nodeType="clickEffect">
+                                  <p:stCondLst>
+                                    <p:cond delay="0"/>
+                                  </p:stCondLst>
+                                  <p:childTnLst>
+                                    <p:set>
+                                      <p:cBhvr>
+                                        <p:cTn id="20" dur="1" fill="hold">
+                                          <p:stCondLst>
+                                            <p:cond delay="0"/>
+                                          </p:stCondLst>
+                                        </p:cTn>
+                                        <p:tgtEl>
+                                          <p:spTgt spid="22"/>
+                                        </p:tgtEl>
+                                        <p:attrNameLst>
+                                          <p:attrName>style.visibility</p:attrName>
+                                        </p:attrNameLst>
+                                      </p:cBhvr>
+                                      <p:to>
+                                        <p:strVal val="visible"/>
+                                      </p:to>
+                                    </p:set>
+                                  </p:childTnLst>
+                                </p:cTn>
+                              </p:par>
+                            </p:childTnLst>
+                          </p:cTn>
+                        </p:par>
+                      </p:childTnLst>
+                    </p:cTn>
+                  </p:par>
+                  <p:par>
+                    <p:cTn id="21" fill="hold">
+                      <p:stCondLst>
+                        <p:cond delay="indefinite"/>
+                      </p:stCondLst>
+                      <p:childTnLst>
+                        <p:par>
+                          <p:cTn id="22" fill="hold">
+                            <p:stCondLst>
+                              <p:cond delay="0"/>
+                            </p:stCondLst>
+                            <p:childTnLst>
+                              <p:par>
+                                <p:cTn id="23" presetID="1" presetClass="entr" presetSubtype="0" fill="hold" nodeType="clickEffect">
+                                  <p:stCondLst>
+                                    <p:cond delay="0"/>
+                                  </p:stCondLst>
+                                  <p:childTnLst>
+                                    <p:set>
+                                      <p:cBhvr>
+                                        <p:cTn id="24" dur="1" fill="hold">
+                                          <p:stCondLst>
+                                            <p:cond delay="0"/>
+                                          </p:stCondLst>
+                                        </p:cTn>
+                                        <p:tgtEl>
+                                          <p:spTgt spid="30"/>
+                                        </p:tgtEl>
+                                        <p:attrNameLst>
+                                          <p:attrName>style.visibility</p:attrName>
+                                        </p:attrNameLst>
+                                      </p:cBhvr>
+                                      <p:to>
+                                        <p:strVal val="visible"/>
+                                      </p:to>
+                                    </p:set>
+                                  </p:childTnLst>
+                                </p:cTn>
+                              </p:par>
+                            </p:childTnLst>
+                          </p:cTn>
+                        </p:par>
+                      </p:childTnLst>
+                    </p:cTn>
+                  </p:par>
+                  <p:par>
+                    <p:cTn id="25" fill="hold">
+                      <p:stCondLst>
+                        <p:cond delay="indefinite"/>
+                      </p:stCondLst>
+                      <p:childTnLst>
+                        <p:par>
+                          <p:cTn id="26" fill="hold">
+                            <p:stCondLst>
+                              <p:cond delay="0"/>
+                            </p:stCondLst>
+                            <p:childTnLst>
+                              <p:par>
+                                <p:cTn id="27" presetID="1" presetClass="entr" presetSubtype="0" fill="hold" nodeType="clickEffect">
+                                  <p:stCondLst>
+                                    <p:cond delay="0"/>
+                                  </p:stCondLst>
+                                  <p:childTnLst>
+                                    <p:set>
+                                      <p:cBhvr>
+                                        <p:cTn id="28" dur="1" fill="hold">
+                                          <p:stCondLst>
+                                            <p:cond delay="0"/>
+                                          </p:stCondLst>
+                                        </p:cTn>
+                                        <p:tgtEl>
+                                          <p:spTgt spid="27"/>
+                                        </p:tgtEl>
+                                        <p:attrNameLst>
+                                          <p:attrName>style.visibility</p:attrName>
+                                        </p:attrNameLst>
+                                      </p:cBhvr>
+                                      <p:to>
+                                        <p:strVal val="visible"/>
+                                      </p:to>
+                                    </p:set>
+                                  </p:childTnLst>
+                                </p:cTn>
+                              </p:par>
+                              <p:par>
+                                <p:cTn id="29" presetID="1" presetClass="entr" presetSubtype="0" fill="hold" grpId="0" nodeType="withEffect">
+                                  <p:stCondLst>
+                                    <p:cond delay="0"/>
+                                  </p:stCondLst>
+                                  <p:childTnLst>
+                                    <p:set>
+                                      <p:cBhvr>
+                                        <p:cTn id="30" dur="1" fill="hold">
+                                          <p:stCondLst>
+                                            <p:cond delay="0"/>
+                                          </p:stCondLst>
+                                        </p:cTn>
+                                        <p:tgtEl>
+                                          <p:spTgt spid="26"/>
+                                        </p:tgtEl>
+                                        <p:attrNameLst>
+                                          <p:attrName>style.visibility</p:attrName>
+                                        </p:attrNameLst>
+                                      </p:cBhvr>
+                                      <p:to>
+                                        <p:strVal val="visible"/>
+                                      </p:to>
+                                    </p:set>
+                                  </p:childTnLst>
+                                </p:cTn>
+                              </p:par>
+                            </p:childTnLst>
+                          </p:cTn>
+                        </p:par>
+                      </p:childTnLst>
+                    </p:cTn>
+                  </p:par>
+                  <p:par>
+                    <p:cTn id="31" fill="hold">
+                      <p:stCondLst>
+                        <p:cond delay="indefinite"/>
+                      </p:stCondLst>
+                      <p:childTnLst>
+                        <p:par>
+                          <p:cTn id="32" fill="hold">
+                            <p:stCondLst>
+                              <p:cond delay="0"/>
+                            </p:stCondLst>
+                            <p:childTnLst>
+                              <p:par>
+                                <p:cTn id="33" presetID="1" presetClass="entr" presetSubtype="0" fill="hold" nodeType="clickEffect">
+                                  <p:stCondLst>
+                                    <p:cond delay="0"/>
+                                  </p:stCondLst>
+                                  <p:childTnLst>
+                                    <p:set>
+                                      <p:cBhvr>
+                                        <p:cTn id="34" dur="1" fill="hold">
+                                          <p:stCondLst>
+                                            <p:cond delay="0"/>
+                                          </p:stCondLst>
+                                        </p:cTn>
+                                        <p:tgtEl>
+                                          <p:spTgt spid="32"/>
+                                        </p:tgtEl>
+                                        <p:attrNameLst>
+                                          <p:attrName>style.visibility</p:attrName>
+                                        </p:attrNameLst>
+                                      </p:cBhvr>
+                                      <p:to>
+                                        <p:strVal val="visible"/>
+                                      </p:to>
+                                    </p:set>
+                                  </p:childTnLst>
+                                </p:cTn>
+                              </p:par>
+                              <p:par>
+                                <p:cTn id="35" presetID="1" presetClass="entr" presetSubtype="0" fill="hold" grpId="0" nodeType="withEffect">
+                                  <p:stCondLst>
+                                    <p:cond delay="0"/>
+                                  </p:stCondLst>
+                                  <p:childTnLst>
+                                    <p:set>
+                                      <p:cBhvr>
+                                        <p:cTn id="36" dur="1" fill="hold">
+                                          <p:stCondLst>
+                                            <p:cond delay="0"/>
+                                          </p:stCondLst>
+                                        </p:cTn>
+                                        <p:tgtEl>
+                                          <p:spTgt spid="36"/>
+                                        </p:tgtEl>
+                                        <p:attrNameLst>
+                                          <p:attrName>style.visibility</p:attrName>
+                                        </p:attrNameLst>
+                                      </p:cBhvr>
+                                      <p:to>
+                                        <p:strVal val="visible"/>
+                                      </p:to>
+                                    </p:set>
+                                  </p:childTnLst>
+                                </p:cTn>
+                              </p:par>
+                            </p:childTnLst>
+                          </p:cTn>
+                        </p:par>
+                      </p:childTnLst>
+                    </p:cTn>
+                  </p:par>
+                </p:childTnLst>
+              </p:cTn>
+              <p:prevCondLst>
+                <p:cond evt="onPrev" delay="0">
+                  <p:tgtEl>
+                    <p:sldTgt/>
+                  </p:tgtEl>
+                </p:cond>
+              </p:prevCondLst>
+              <p:nextCondLst>
+                <p:cond evt="onNext" delay="0">
+                  <p:tgtEl>
+                    <p:sldTgt/>
+                  </p:tgtEl>
+                </p:cond>
+              </p:nextCondLst>
+            </p:seq>
+          </p:childTnLst>
+        </p:cTn>
+      </p:par>
+    </p:tnLst>
+    <p:bldLst>
+      <p:bldP spid="10" grpId="0"/>
+      <p:bldP spid="15" grpId="0"/>
+      <p:bldP spid="26" grpId="0"/>
+      <p:bldP spid="36" grpId="0"/>
+    </p:bldLst>
+  </p:timing>
+</p:sld>
+</file>
+
+<file path=ppt/slides/slide14.xml><?xml version="1.0" encoding="utf-8"?>
+<p:sld xmlns:a="http://schemas.openxmlformats.org/drawingml/2006/main" xmlns:r="http://schemas.openxmlformats.org/officeDocument/2006/relationships" xmlns:p="http://schemas.openxmlformats.org/presentationml/2006/main">
+  <p:cSld>
+    <p:spTree>
+      <p:nvGrpSpPr>
+        <p:cNvPr id="1" name=""/>
+        <p:cNvGrpSpPr/>
+        <p:nvPr/>
+      </p:nvGrpSpPr>
+      <p:grpSpPr>
+        <a:xfrm>
+          <a:off x="0" y="0"/>
+          <a:ext cx="0" cy="0"/>
+          <a:chOff x="0" y="0"/>
+          <a:chExt cx="0" cy="0"/>
+        </a:xfrm>
+      </p:grpSpPr>
+      <p:sp>
+        <p:nvSpPr>
+          <p:cNvPr id="6" name="Title 5"/>
+          <p:cNvSpPr>
+            <a:spLocks noGrp="1"/>
+          </p:cNvSpPr>
+          <p:nvPr>
+            <p:ph type="title"/>
+          </p:nvPr>
+        </p:nvSpPr>
+        <p:spPr/>
+        <p:txBody>
+          <a:bodyPr/>
+          <a:lstStyle/>
+          <a:p>
+            <a:r>
+              <a:rPr lang="en-US" dirty="0"/>
+              <a:t>Outline</a:t>
+            </a:r>
+          </a:p>
+        </p:txBody>
+      </p:sp>
+      <p:sp>
+        <p:nvSpPr>
+          <p:cNvPr id="7" name="Content Placeholder 6"/>
+          <p:cNvSpPr>
+            <a:spLocks noGrp="1"/>
+          </p:cNvSpPr>
+          <p:nvPr>
+            <p:ph idx="1"/>
+          </p:nvPr>
+        </p:nvSpPr>
+        <p:spPr/>
+        <p:txBody>
+          <a:bodyPr>
+            <a:normAutofit/>
+          </a:bodyPr>
+          <a:lstStyle/>
+          <a:p>
+            <a:r>
+              <a:rPr lang="en-US" dirty="0"/>
+              <a:t>Class and Object Basics</a:t>
+            </a:r>
+          </a:p>
+          <a:p>
+            <a:r>
+              <a:rPr lang="en-US" dirty="0"/>
+              <a:t>Writing Our First Class</a:t>
+            </a:r>
+          </a:p>
+          <a:p>
+            <a:r>
+              <a:rPr lang="en-US" dirty="0"/>
+              <a:t>Using a Class</a:t>
+            </a:r>
+          </a:p>
+          <a:p>
+            <a:r>
+              <a:rPr lang="en-US" b="1" dirty="0"/>
+              <a:t>Principles of </a:t>
+            </a:r>
+            <a:r>
+              <a:rPr lang="en-US" b="1" dirty="0" err="1"/>
+              <a:t>Accessors</a:t>
+            </a:r>
+            <a:endParaRPr lang="en-US" b="1" dirty="0"/>
+          </a:p>
+        </p:txBody>
+      </p:sp>
+      <p:sp>
+        <p:nvSpPr>
+          <p:cNvPr id="4" name="Footer Placeholder 3"/>
+          <p:cNvSpPr>
+            <a:spLocks noGrp="1"/>
+          </p:cNvSpPr>
+          <p:nvPr>
+            <p:ph type="ftr" sz="quarter" idx="11"/>
+          </p:nvPr>
+        </p:nvSpPr>
+        <p:spPr/>
+        <p:txBody>
+          <a:bodyPr/>
+          <a:lstStyle/>
+          <a:p>
+            <a:r>
+              <a:rPr lang="en-US" dirty="0"/>
+              <a:t>CSCI 1301</a:t>
+            </a:r>
+          </a:p>
+        </p:txBody>
+      </p:sp>
+    </p:spTree>
+    <p:extLst>
+      <p:ext uri="{BB962C8B-B14F-4D97-AF65-F5344CB8AC3E}">
+        <p14:creationId xmlns:p14="http://schemas.microsoft.com/office/powerpoint/2010/main" val="3241686870"/>
+      </p:ext>
+    </p:extLst>
+  </p:cSld>
+  <p:clrMapOvr>
+    <a:masterClrMapping/>
+  </p:clrMapOvr>
+</p:sld>
+</file>
+
+<file path=ppt/slides/slide15.xml><?xml version="1.0" encoding="utf-8"?>
+<p:sld xmlns:a="http://schemas.openxmlformats.org/drawingml/2006/main" xmlns:r="http://schemas.openxmlformats.org/officeDocument/2006/relationships" xmlns:p="http://schemas.openxmlformats.org/presentationml/2006/main">
+  <p:cSld>
+    <p:spTree>
+      <p:nvGrpSpPr>
+        <p:cNvPr id="1" name=""/>
+        <p:cNvGrpSpPr/>
+        <p:nvPr/>
+      </p:nvGrpSpPr>
+      <p:grpSpPr>
+        <a:xfrm>
+          <a:off x="0" y="0"/>
+          <a:ext cx="0" cy="0"/>
+          <a:chOff x="0" y="0"/>
+          <a:chExt cx="0" cy="0"/>
+        </a:xfrm>
+      </p:grpSpPr>
+      <p:sp>
+        <p:nvSpPr>
+          <p:cNvPr id="2" name="Title 1"/>
+          <p:cNvSpPr>
+            <a:spLocks noGrp="1"/>
+          </p:cNvSpPr>
+          <p:nvPr>
+            <p:ph type="title"/>
+          </p:nvPr>
+        </p:nvSpPr>
+        <p:spPr/>
+        <p:txBody>
+          <a:bodyPr/>
+          <a:lstStyle/>
+          <a:p>
+            <a:r>
+              <a:rPr lang="en-US" dirty="0" err="1"/>
+              <a:t>Accessor</a:t>
+            </a:r>
+            <a:r>
+              <a:rPr lang="en-US" dirty="0"/>
+              <a:t> Methods Provide Access</a:t>
+            </a:r>
+          </a:p>
+        </p:txBody>
+      </p:sp>
+      <p:sp>
+        <p:nvSpPr>
+          <p:cNvPr id="3" name="Content Placeholder 2"/>
+          <p:cNvSpPr>
+            <a:spLocks noGrp="1"/>
+          </p:cNvSpPr>
+          <p:nvPr>
+            <p:ph idx="1"/>
+          </p:nvPr>
+        </p:nvSpPr>
+        <p:spPr>
+          <a:xfrm>
+            <a:off x="227013" y="1371600"/>
+            <a:ext cx="4800599" cy="4754564"/>
+          </a:xfrm>
+        </p:spPr>
+        <p:txBody>
+          <a:bodyPr/>
+          <a:lstStyle/>
+          <a:p>
+            <a:r>
+              <a:rPr lang="en-US" dirty="0"/>
+              <a:t>Each </a:t>
+            </a:r>
+            <a:r>
+              <a:rPr lang="en-US" b="1" dirty="0"/>
+              <a:t>attribute</a:t>
+            </a:r>
+            <a:r>
+              <a:rPr lang="en-US" dirty="0"/>
+              <a:t> of a class can have corresponding </a:t>
+            </a:r>
+            <a:r>
+              <a:rPr lang="en-US" b="1" dirty="0" err="1"/>
+              <a:t>accessor</a:t>
+            </a:r>
+            <a:r>
+              <a:rPr lang="en-US" b="1" dirty="0"/>
+              <a:t> </a:t>
+            </a:r>
+            <a:r>
+              <a:rPr lang="en-US" dirty="0"/>
+              <a:t>methods</a:t>
+            </a:r>
+          </a:p>
+          <a:p>
+            <a:r>
+              <a:rPr lang="en-US" dirty="0"/>
+              <a:t>Getter: lets other code </a:t>
+            </a:r>
+            <a:r>
+              <a:rPr lang="en-US" b="1" dirty="0"/>
+              <a:t>read</a:t>
+            </a:r>
+            <a:r>
+              <a:rPr lang="en-US" dirty="0"/>
+              <a:t> the attribute</a:t>
+            </a:r>
+          </a:p>
+          <a:p>
+            <a:r>
+              <a:rPr lang="en-US" dirty="0"/>
+              <a:t>Setter: lets other code </a:t>
+            </a:r>
+            <a:r>
+              <a:rPr lang="en-US" b="1" dirty="0"/>
+              <a:t>write</a:t>
+            </a:r>
+            <a:r>
+              <a:rPr lang="en-US" dirty="0"/>
+              <a:t> the attribute</a:t>
+            </a:r>
+          </a:p>
+        </p:txBody>
+      </p:sp>
+      <p:sp>
+        <p:nvSpPr>
+          <p:cNvPr id="4" name="Footer Placeholder 3"/>
+          <p:cNvSpPr>
+            <a:spLocks noGrp="1"/>
+          </p:cNvSpPr>
+          <p:nvPr>
+            <p:ph type="ftr" sz="quarter" idx="11"/>
+          </p:nvPr>
+        </p:nvSpPr>
+        <p:spPr/>
+        <p:txBody>
+          <a:bodyPr/>
+          <a:lstStyle/>
+          <a:p>
+            <a:r>
+              <a:rPr lang="en-US" dirty="0"/>
+              <a:t>CSCI 1301</a:t>
+            </a:r>
+          </a:p>
+        </p:txBody>
+      </p:sp>
+      <p:sp>
+        <p:nvSpPr>
+          <p:cNvPr id="5" name="TextBox 4">
+            <a:extLst>
+              <a:ext uri="{FF2B5EF4-FFF2-40B4-BE49-F238E27FC236}">
+                <a16:creationId xmlns:a16="http://schemas.microsoft.com/office/drawing/2014/main" id="{C7C275A7-9294-4009-B7F9-124F869A7E5E}"/>
+              </a:ext>
+            </a:extLst>
+          </p:cNvPr>
+          <p:cNvSpPr txBox="1"/>
+          <p:nvPr/>
+        </p:nvSpPr>
+        <p:spPr>
+          <a:xfrm>
+            <a:off x="5027612" y="1365508"/>
+            <a:ext cx="7010400" cy="5065361"/>
+          </a:xfrm>
+          <a:prstGeom prst="rect">
+            <a:avLst/>
+          </a:prstGeom>
+          <a:solidFill>
+            <a:schemeClr val="bg1">
+              <a:lumMod val="85000"/>
+              <a:lumOff val="15000"/>
+            </a:schemeClr>
+          </a:solidFill>
+        </p:spPr>
+        <p:txBody>
+          <a:bodyPr wrap="square" rtlCol="0">
+            <a:spAutoFit/>
+          </a:bodyPr>
+          <a:lstStyle>
+            <a:defPPr>
+              <a:defRPr lang="en-US"/>
+            </a:defPPr>
+            <a:lvl1pPr>
+              <a:defRPr sz="2200">
+                <a:solidFill>
+                  <a:srgbClr val="0099FF"/>
+                </a:solidFill>
+                <a:latin typeface="Consolas" panose="020B0609020204030204" pitchFamily="49" charset="0"/>
+              </a:defRPr>
+            </a:lvl1pPr>
+          </a:lstStyle>
+          <a:p>
+            <a:pPr>
+              <a:lnSpc>
+                <a:spcPct val="113000"/>
+              </a:lnSpc>
+            </a:pPr>
+            <a:r>
+              <a:rPr lang="en-US" dirty="0"/>
+              <a:t>class</a:t>
+            </a:r>
+            <a:r>
+              <a:rPr lang="en-US" dirty="0">
+                <a:solidFill>
+                  <a:schemeClr val="tx1"/>
+                </a:solidFill>
+              </a:rPr>
+              <a:t> </a:t>
+            </a:r>
+            <a:r>
+              <a:rPr lang="en-US" dirty="0">
+                <a:solidFill>
+                  <a:srgbClr val="66FFCC"/>
+                </a:solidFill>
+              </a:rPr>
+              <a:t>Rectangle</a:t>
+            </a:r>
+          </a:p>
+          <a:p>
+            <a:pPr>
+              <a:lnSpc>
+                <a:spcPct val="113000"/>
+              </a:lnSpc>
+            </a:pPr>
+            <a:r>
+              <a:rPr lang="en-US" dirty="0">
+                <a:solidFill>
+                  <a:schemeClr val="tx1"/>
+                </a:solidFill>
+              </a:rPr>
+              <a:t>{</a:t>
+            </a:r>
+          </a:p>
+          <a:p>
+            <a:pPr>
+              <a:lnSpc>
+                <a:spcPct val="113000"/>
+              </a:lnSpc>
+            </a:pPr>
+            <a:r>
+              <a:rPr lang="en-US" dirty="0">
+                <a:solidFill>
+                  <a:schemeClr val="tx1"/>
+                </a:solidFill>
+              </a:rPr>
+              <a:t>  </a:t>
+            </a:r>
+            <a:r>
+              <a:rPr lang="en-US" dirty="0"/>
+              <a:t>private int</a:t>
+            </a:r>
+            <a:r>
+              <a:rPr lang="en-US" dirty="0">
+                <a:solidFill>
+                  <a:schemeClr val="tx1"/>
+                </a:solidFill>
+              </a:rPr>
+              <a:t> length;</a:t>
+            </a:r>
+          </a:p>
+          <a:p>
+            <a:pPr>
+              <a:lnSpc>
+                <a:spcPct val="113000"/>
+              </a:lnSpc>
+            </a:pPr>
+            <a:r>
+              <a:rPr lang="en-US" dirty="0">
+                <a:solidFill>
+                  <a:schemeClr val="tx1"/>
+                </a:solidFill>
+              </a:rPr>
+              <a:t>  </a:t>
+            </a:r>
+            <a:r>
+              <a:rPr lang="en-US" dirty="0"/>
+              <a:t>private int</a:t>
+            </a:r>
+            <a:r>
+              <a:rPr lang="en-US" dirty="0">
+                <a:solidFill>
+                  <a:schemeClr val="tx1"/>
+                </a:solidFill>
+              </a:rPr>
+              <a:t> width;</a:t>
+            </a:r>
+          </a:p>
+          <a:p>
+            <a:pPr>
+              <a:lnSpc>
+                <a:spcPct val="113000"/>
+              </a:lnSpc>
+            </a:pPr>
+            <a:endParaRPr lang="en-US" dirty="0">
+              <a:solidFill>
+                <a:schemeClr val="tx1"/>
+              </a:solidFill>
+            </a:endParaRPr>
+          </a:p>
+          <a:p>
+            <a:pPr>
+              <a:lnSpc>
+                <a:spcPct val="113000"/>
+              </a:lnSpc>
+            </a:pPr>
+            <a:r>
+              <a:rPr lang="en-US" dirty="0">
+                <a:solidFill>
+                  <a:schemeClr val="tx1"/>
+                </a:solidFill>
+              </a:rPr>
+              <a:t>  </a:t>
+            </a:r>
+            <a:r>
+              <a:rPr lang="en-US" dirty="0"/>
+              <a:t>public void</a:t>
+            </a:r>
+            <a:r>
+              <a:rPr lang="en-US" dirty="0">
+                <a:solidFill>
+                  <a:schemeClr val="tx1"/>
+                </a:solidFill>
+              </a:rPr>
+              <a:t> </a:t>
+            </a:r>
+            <a:r>
+              <a:rPr lang="en-US" dirty="0" err="1">
+                <a:solidFill>
+                  <a:srgbClr val="CC9900"/>
+                </a:solidFill>
+              </a:rPr>
+              <a:t>SetLength</a:t>
+            </a:r>
+            <a:r>
+              <a:rPr lang="en-US" dirty="0">
+                <a:solidFill>
+                  <a:schemeClr val="tx1"/>
+                </a:solidFill>
+              </a:rPr>
+              <a:t>(</a:t>
+            </a:r>
+            <a:r>
+              <a:rPr lang="en-US" dirty="0"/>
+              <a:t>int</a:t>
+            </a:r>
+            <a:r>
+              <a:rPr lang="en-US" dirty="0">
+                <a:solidFill>
+                  <a:schemeClr val="tx1"/>
+                </a:solidFill>
+              </a:rPr>
+              <a:t> </a:t>
+            </a:r>
+            <a:r>
+              <a:rPr lang="en-US" dirty="0" err="1">
+                <a:solidFill>
+                  <a:schemeClr val="tx1"/>
+                </a:solidFill>
+              </a:rPr>
+              <a:t>lengthParameter</a:t>
+            </a:r>
+            <a:r>
+              <a:rPr lang="en-US" dirty="0">
+                <a:solidFill>
+                  <a:schemeClr val="tx1"/>
+                </a:solidFill>
+              </a:rPr>
+              <a:t>)</a:t>
+            </a:r>
+          </a:p>
+          <a:p>
+            <a:pPr>
+              <a:lnSpc>
+                <a:spcPct val="113000"/>
+              </a:lnSpc>
+            </a:pPr>
+            <a:r>
+              <a:rPr lang="en-US" dirty="0">
+                <a:solidFill>
+                  <a:schemeClr val="tx1"/>
+                </a:solidFill>
+              </a:rPr>
+              <a:t>  {</a:t>
+            </a:r>
+          </a:p>
+          <a:p>
+            <a:pPr>
+              <a:lnSpc>
+                <a:spcPct val="113000"/>
+              </a:lnSpc>
+            </a:pPr>
+            <a:r>
+              <a:rPr lang="en-US" dirty="0">
+                <a:solidFill>
+                  <a:schemeClr val="tx1"/>
+                </a:solidFill>
+              </a:rPr>
+              <a:t>    length = </a:t>
+            </a:r>
+            <a:r>
+              <a:rPr lang="en-US" dirty="0" err="1">
+                <a:solidFill>
+                  <a:schemeClr val="tx1"/>
+                </a:solidFill>
+              </a:rPr>
+              <a:t>lengthParameter</a:t>
+            </a:r>
+            <a:r>
+              <a:rPr lang="en-US" dirty="0">
+                <a:solidFill>
+                  <a:schemeClr val="tx1"/>
+                </a:solidFill>
+              </a:rPr>
+              <a:t>;</a:t>
+            </a:r>
+          </a:p>
+          <a:p>
+            <a:pPr>
+              <a:lnSpc>
+                <a:spcPct val="113000"/>
+              </a:lnSpc>
+            </a:pPr>
+            <a:r>
+              <a:rPr lang="en-US" dirty="0">
+                <a:solidFill>
+                  <a:schemeClr val="tx1"/>
+                </a:solidFill>
+              </a:rPr>
+              <a:t>  }</a:t>
+            </a:r>
+          </a:p>
+          <a:p>
+            <a:pPr>
+              <a:lnSpc>
+                <a:spcPct val="113000"/>
+              </a:lnSpc>
+            </a:pPr>
+            <a:r>
+              <a:rPr lang="en-US" dirty="0">
+                <a:solidFill>
+                  <a:schemeClr val="tx1"/>
+                </a:solidFill>
+              </a:rPr>
+              <a:t>  </a:t>
+            </a:r>
+            <a:r>
+              <a:rPr lang="en-US" dirty="0"/>
+              <a:t>public </a:t>
+            </a:r>
+            <a:r>
+              <a:rPr lang="en-US" dirty="0" err="1"/>
+              <a:t>int</a:t>
+            </a:r>
+            <a:r>
+              <a:rPr lang="en-US" dirty="0">
+                <a:solidFill>
+                  <a:schemeClr val="tx1"/>
+                </a:solidFill>
+              </a:rPr>
+              <a:t> </a:t>
+            </a:r>
+            <a:r>
+              <a:rPr lang="en-US" dirty="0" err="1">
+                <a:solidFill>
+                  <a:srgbClr val="CC9900"/>
+                </a:solidFill>
+              </a:rPr>
+              <a:t>GetLength</a:t>
+            </a:r>
+            <a:r>
+              <a:rPr lang="en-US" dirty="0">
+                <a:solidFill>
+                  <a:schemeClr val="tx1"/>
+                </a:solidFill>
+              </a:rPr>
+              <a:t>() </a:t>
+            </a:r>
+          </a:p>
+          <a:p>
+            <a:pPr>
+              <a:lnSpc>
+                <a:spcPct val="113000"/>
+              </a:lnSpc>
+            </a:pPr>
+            <a:r>
+              <a:rPr lang="en-US" dirty="0">
+                <a:solidFill>
+                  <a:schemeClr val="tx1"/>
+                </a:solidFill>
+              </a:rPr>
+              <a:t>  {</a:t>
+            </a:r>
+          </a:p>
+          <a:p>
+            <a:pPr>
+              <a:lnSpc>
+                <a:spcPct val="113000"/>
+              </a:lnSpc>
+            </a:pPr>
+            <a:r>
+              <a:rPr lang="en-US" dirty="0">
+                <a:solidFill>
+                  <a:schemeClr val="tx1"/>
+                </a:solidFill>
+              </a:rPr>
+              <a:t>    </a:t>
+            </a:r>
+            <a:r>
+              <a:rPr lang="en-US" dirty="0">
+                <a:solidFill>
+                  <a:srgbClr val="9933FF"/>
+                </a:solidFill>
+              </a:rPr>
+              <a:t>return</a:t>
+            </a:r>
+            <a:r>
+              <a:rPr lang="en-US" dirty="0">
+                <a:solidFill>
+                  <a:schemeClr val="tx1"/>
+                </a:solidFill>
+              </a:rPr>
+              <a:t> length;</a:t>
+            </a:r>
+          </a:p>
+          <a:p>
+            <a:pPr>
+              <a:lnSpc>
+                <a:spcPct val="113000"/>
+              </a:lnSpc>
+            </a:pPr>
+            <a:r>
+              <a:rPr lang="en-US" dirty="0">
+                <a:solidFill>
+                  <a:schemeClr val="tx1"/>
+                </a:solidFill>
+              </a:rPr>
+              <a:t>  }</a:t>
+            </a:r>
+            <a:endParaRPr lang="en-US" dirty="0">
+              <a:solidFill>
+                <a:srgbClr val="92D050"/>
+              </a:solidFill>
+            </a:endParaRPr>
+          </a:p>
+        </p:txBody>
+      </p:sp>
+      <p:sp>
+        <p:nvSpPr>
+          <p:cNvPr id="6" name="TextBox 5"/>
+          <p:cNvSpPr txBox="1"/>
+          <p:nvPr/>
+        </p:nvSpPr>
+        <p:spPr>
+          <a:xfrm>
+            <a:off x="9142412" y="1828800"/>
+            <a:ext cx="2743200" cy="830997"/>
+          </a:xfrm>
+          <a:prstGeom prst="rect">
+            <a:avLst/>
+          </a:prstGeom>
+          <a:noFill/>
+        </p:spPr>
+        <p:txBody>
+          <a:bodyPr wrap="square" rtlCol="0">
+            <a:spAutoFit/>
+          </a:bodyPr>
+          <a:lstStyle/>
+          <a:p>
+            <a:r>
+              <a:rPr lang="en-US" dirty="0"/>
+              <a:t>Instance variable for length attribute</a:t>
+            </a:r>
+          </a:p>
+        </p:txBody>
+      </p:sp>
+      <p:sp>
+        <p:nvSpPr>
+          <p:cNvPr id="7" name="TextBox 6">
+            <a:extLst>
+              <a:ext uri="{FF2B5EF4-FFF2-40B4-BE49-F238E27FC236}">
+                <a16:creationId xmlns:a16="http://schemas.microsoft.com/office/drawing/2014/main" id="{FDDF8D73-2E23-4CD3-99A8-5D4E2CF0CE9D}"/>
+              </a:ext>
+            </a:extLst>
+          </p:cNvPr>
+          <p:cNvSpPr txBox="1"/>
+          <p:nvPr/>
+        </p:nvSpPr>
+        <p:spPr>
+          <a:xfrm>
+            <a:off x="9371012" y="5105400"/>
+            <a:ext cx="2286000" cy="830997"/>
+          </a:xfrm>
+          <a:prstGeom prst="rect">
+            <a:avLst/>
+          </a:prstGeom>
+          <a:noFill/>
+        </p:spPr>
+        <p:txBody>
+          <a:bodyPr wrap="square" rtlCol="0">
+            <a:spAutoFit/>
+          </a:bodyPr>
+          <a:lstStyle/>
+          <a:p>
+            <a:r>
+              <a:rPr lang="en-US" dirty="0"/>
+              <a:t>Getter for length attribute</a:t>
+            </a:r>
+          </a:p>
+        </p:txBody>
+      </p:sp>
+      <p:cxnSp>
+        <p:nvCxnSpPr>
+          <p:cNvPr id="8" name="Straight Arrow Connector 7">
+            <a:extLst>
+              <a:ext uri="{FF2B5EF4-FFF2-40B4-BE49-F238E27FC236}">
+                <a16:creationId xmlns:a16="http://schemas.microsoft.com/office/drawing/2014/main" id="{C3F7C3CA-A83A-4B1D-BBC8-829204613DA0}"/>
+              </a:ext>
+            </a:extLst>
+          </p:cNvPr>
+          <p:cNvCxnSpPr>
+            <a:cxnSpLocks/>
+          </p:cNvCxnSpPr>
+          <p:nvPr/>
+        </p:nvCxnSpPr>
+        <p:spPr>
+          <a:xfrm flipH="1" flipV="1">
+            <a:off x="8913812" y="5105400"/>
+            <a:ext cx="457200" cy="228601"/>
+          </a:xfrm>
+          <a:prstGeom prst="straightConnector1">
+            <a:avLst/>
+          </a:prstGeom>
+          <a:ln>
+            <a:tailEnd type="triangle"/>
+          </a:ln>
+        </p:spPr>
+        <p:style>
+          <a:lnRef idx="2">
+            <a:schemeClr val="accent6"/>
+          </a:lnRef>
+          <a:fillRef idx="0">
+            <a:schemeClr val="accent6"/>
+          </a:fillRef>
+          <a:effectRef idx="1">
+            <a:schemeClr val="accent6"/>
+          </a:effectRef>
+          <a:fontRef idx="minor">
+            <a:schemeClr val="tx1"/>
+          </a:fontRef>
+        </p:style>
+      </p:cxnSp>
+      <p:sp>
+        <p:nvSpPr>
+          <p:cNvPr id="9" name="TextBox 8">
+            <a:extLst>
+              <a:ext uri="{FF2B5EF4-FFF2-40B4-BE49-F238E27FC236}">
+                <a16:creationId xmlns:a16="http://schemas.microsoft.com/office/drawing/2014/main" id="{C66A285F-9AB3-4E04-BA5D-374F87D73F23}"/>
+              </a:ext>
+            </a:extLst>
+          </p:cNvPr>
+          <p:cNvSpPr txBox="1"/>
+          <p:nvPr/>
+        </p:nvSpPr>
+        <p:spPr>
+          <a:xfrm>
+            <a:off x="9935183" y="3871794"/>
+            <a:ext cx="2253642" cy="830997"/>
+          </a:xfrm>
+          <a:prstGeom prst="rect">
+            <a:avLst/>
+          </a:prstGeom>
+          <a:noFill/>
+        </p:spPr>
+        <p:txBody>
+          <a:bodyPr wrap="square" rtlCol="0">
+            <a:spAutoFit/>
+          </a:bodyPr>
+          <a:lstStyle/>
+          <a:p>
+            <a:r>
+              <a:rPr lang="en-US" dirty="0"/>
+              <a:t>Setter for length attribute</a:t>
+            </a:r>
+          </a:p>
+        </p:txBody>
+      </p:sp>
+      <p:cxnSp>
+        <p:nvCxnSpPr>
+          <p:cNvPr id="10" name="Straight Arrow Connector 9">
+            <a:extLst>
+              <a:ext uri="{FF2B5EF4-FFF2-40B4-BE49-F238E27FC236}">
+                <a16:creationId xmlns:a16="http://schemas.microsoft.com/office/drawing/2014/main" id="{1BE209A3-7834-4581-B280-C67A680065F2}"/>
+              </a:ext>
+            </a:extLst>
+          </p:cNvPr>
+          <p:cNvCxnSpPr/>
+          <p:nvPr/>
+        </p:nvCxnSpPr>
+        <p:spPr>
+          <a:xfrm flipH="1" flipV="1">
+            <a:off x="9447212" y="3817203"/>
+            <a:ext cx="520264" cy="192306"/>
+          </a:xfrm>
+          <a:prstGeom prst="straightConnector1">
+            <a:avLst/>
+          </a:prstGeom>
+          <a:ln>
+            <a:tailEnd type="triangle"/>
+          </a:ln>
+        </p:spPr>
+        <p:style>
+          <a:lnRef idx="2">
+            <a:schemeClr val="accent6"/>
+          </a:lnRef>
+          <a:fillRef idx="0">
+            <a:schemeClr val="accent6"/>
+          </a:fillRef>
+          <a:effectRef idx="1">
+            <a:schemeClr val="accent6"/>
+          </a:effectRef>
+          <a:fontRef idx="minor">
+            <a:schemeClr val="tx1"/>
+          </a:fontRef>
+        </p:style>
+      </p:cxnSp>
+      <p:sp>
+        <p:nvSpPr>
+          <p:cNvPr id="15" name="Oval 14">
+            <a:extLst>
+              <a:ext uri="{FF2B5EF4-FFF2-40B4-BE49-F238E27FC236}">
+                <a16:creationId xmlns:a16="http://schemas.microsoft.com/office/drawing/2014/main" id="{F751AAF3-EDE8-4F54-8F69-99A0183208BF}"/>
+              </a:ext>
+            </a:extLst>
+          </p:cNvPr>
+          <p:cNvSpPr/>
+          <p:nvPr/>
+        </p:nvSpPr>
+        <p:spPr>
+          <a:xfrm>
+            <a:off x="5295870" y="3291682"/>
+            <a:ext cx="1143000" cy="457200"/>
+          </a:xfrm>
+          <a:prstGeom prst="ellipse">
+            <a:avLst/>
+          </a:prstGeom>
+          <a:noFill/>
+          <a:ln>
+            <a:solidFill>
+              <a:schemeClr val="accent5"/>
+            </a:solidFill>
+          </a:ln>
+        </p:spPr>
+        <p:style>
+          <a:lnRef idx="2">
+            <a:schemeClr val="accent1">
+              <a:shade val="50000"/>
+            </a:schemeClr>
+          </a:lnRef>
+          <a:fillRef idx="1">
+            <a:schemeClr val="accent1"/>
+          </a:fillRef>
+          <a:effectRef idx="0">
+            <a:schemeClr val="accent1"/>
+          </a:effectRef>
+          <a:fontRef idx="minor">
+            <a:schemeClr val="lt1"/>
+          </a:fontRef>
+        </p:style>
+        <p:txBody>
+          <a:bodyPr rtlCol="0" anchor="ctr"/>
+          <a:lstStyle/>
+          <a:p>
+            <a:pPr algn="ctr"/>
+            <a:endParaRPr lang="en-US"/>
+          </a:p>
+        </p:txBody>
+      </p:sp>
+      <p:cxnSp>
+        <p:nvCxnSpPr>
+          <p:cNvPr id="16" name="Straight Arrow Connector 15">
+            <a:extLst>
+              <a:ext uri="{FF2B5EF4-FFF2-40B4-BE49-F238E27FC236}">
+                <a16:creationId xmlns:a16="http://schemas.microsoft.com/office/drawing/2014/main" id="{1BE209A3-7834-4581-B280-C67A680065F2}"/>
+              </a:ext>
+            </a:extLst>
+          </p:cNvPr>
+          <p:cNvCxnSpPr/>
+          <p:nvPr/>
+        </p:nvCxnSpPr>
+        <p:spPr>
+          <a:xfrm flipH="1">
+            <a:off x="8385377" y="2133600"/>
+            <a:ext cx="833235" cy="208829"/>
+          </a:xfrm>
+          <a:prstGeom prst="straightConnector1">
+            <a:avLst/>
+          </a:prstGeom>
+          <a:ln>
+            <a:tailEnd type="triangle"/>
+          </a:ln>
+        </p:spPr>
+        <p:style>
+          <a:lnRef idx="2">
+            <a:schemeClr val="accent6"/>
+          </a:lnRef>
+          <a:fillRef idx="0">
+            <a:schemeClr val="accent6"/>
+          </a:fillRef>
+          <a:effectRef idx="1">
+            <a:schemeClr val="accent6"/>
+          </a:effectRef>
+          <a:fontRef idx="minor">
+            <a:schemeClr val="tx1"/>
+          </a:fontRef>
+        </p:style>
+      </p:cxnSp>
+      <p:sp>
+        <p:nvSpPr>
+          <p:cNvPr id="18" name="Oval 17">
+            <a:extLst>
+              <a:ext uri="{FF2B5EF4-FFF2-40B4-BE49-F238E27FC236}">
+                <a16:creationId xmlns:a16="http://schemas.microsoft.com/office/drawing/2014/main" id="{F751AAF3-EDE8-4F54-8F69-99A0183208BF}"/>
+              </a:ext>
+            </a:extLst>
+          </p:cNvPr>
+          <p:cNvSpPr/>
+          <p:nvPr/>
+        </p:nvSpPr>
+        <p:spPr>
+          <a:xfrm>
+            <a:off x="5315699" y="2164497"/>
+            <a:ext cx="1255742" cy="457200"/>
+          </a:xfrm>
+          <a:prstGeom prst="ellipse">
+            <a:avLst/>
+          </a:prstGeom>
+          <a:noFill/>
+          <a:ln>
+            <a:solidFill>
+              <a:schemeClr val="accent5"/>
+            </a:solidFill>
+          </a:ln>
+        </p:spPr>
+        <p:style>
+          <a:lnRef idx="2">
+            <a:schemeClr val="accent1">
+              <a:shade val="50000"/>
+            </a:schemeClr>
+          </a:lnRef>
+          <a:fillRef idx="1">
+            <a:schemeClr val="accent1"/>
+          </a:fillRef>
+          <a:effectRef idx="0">
+            <a:schemeClr val="accent1"/>
+          </a:effectRef>
+          <a:fontRef idx="minor">
+            <a:schemeClr val="lt1"/>
+          </a:fontRef>
+        </p:style>
+        <p:txBody>
+          <a:bodyPr rtlCol="0" anchor="ctr"/>
+          <a:lstStyle/>
+          <a:p>
+            <a:pPr algn="ctr"/>
+            <a:endParaRPr lang="en-US"/>
+          </a:p>
+        </p:txBody>
+      </p:sp>
+    </p:spTree>
+    <p:extLst>
+      <p:ext uri="{BB962C8B-B14F-4D97-AF65-F5344CB8AC3E}">
+        <p14:creationId xmlns:p14="http://schemas.microsoft.com/office/powerpoint/2010/main" val="1314935826"/>
+      </p:ext>
+    </p:extLst>
+  </p:cSld>
+  <p:clrMapOvr>
+    <a:masterClrMapping/>
+  </p:clrMapOvr>
+</p:sld>
+</file>
+
+<file path=ppt/slides/slide16.xml><?xml version="1.0" encoding="utf-8"?>
+<p:sld xmlns:a="http://schemas.openxmlformats.org/drawingml/2006/main" xmlns:r="http://schemas.openxmlformats.org/officeDocument/2006/relationships" xmlns:p="http://schemas.openxmlformats.org/presentationml/2006/main">
+  <p:cSld>
+    <p:spTree>
+      <p:nvGrpSpPr>
+        <p:cNvPr id="1" name=""/>
+        <p:cNvGrpSpPr/>
+        <p:nvPr/>
+      </p:nvGrpSpPr>
+      <p:grpSpPr>
+        <a:xfrm>
+          <a:off x="0" y="0"/>
+          <a:ext cx="0" cy="0"/>
+          <a:chOff x="0" y="0"/>
+          <a:chExt cx="0" cy="0"/>
+        </a:xfrm>
+      </p:grpSpPr>
+      <p:sp>
+        <p:nvSpPr>
+          <p:cNvPr id="2" name="Title 1"/>
+          <p:cNvSpPr>
+            <a:spLocks noGrp="1"/>
+          </p:cNvSpPr>
+          <p:nvPr>
+            <p:ph type="title"/>
+          </p:nvPr>
+        </p:nvSpPr>
+        <p:spPr/>
+        <p:txBody>
+          <a:bodyPr/>
+          <a:lstStyle/>
+          <a:p>
+            <a:r>
+              <a:rPr lang="en-US" dirty="0"/>
+              <a:t>Structure of a Getter</a:t>
+            </a:r>
+          </a:p>
+        </p:txBody>
+      </p:sp>
+      <p:sp>
+        <p:nvSpPr>
+          <p:cNvPr id="3" name="Content Placeholder 2"/>
+          <p:cNvSpPr>
+            <a:spLocks noGrp="1"/>
+          </p:cNvSpPr>
+          <p:nvPr>
+            <p:ph idx="1"/>
+          </p:nvPr>
+        </p:nvSpPr>
+        <p:spPr/>
+        <p:txBody>
+          <a:bodyPr/>
+          <a:lstStyle/>
+          <a:p>
+            <a:pPr marL="0" indent="0">
+              <a:buNone/>
+            </a:pPr>
+            <a:r>
+              <a:rPr lang="en-US" dirty="0"/>
+              <a:t>Important parts of a “getter” method:</a:t>
+            </a:r>
+          </a:p>
+          <a:p>
+            <a:pPr marL="514350" indent="-514350">
+              <a:buFont typeface="+mj-lt"/>
+              <a:buAutoNum type="arabicPeriod"/>
+            </a:pPr>
+            <a:r>
+              <a:rPr lang="en-US" dirty="0"/>
+              <a:t>Return type equal to the instance variable’s type</a:t>
+            </a:r>
+          </a:p>
+          <a:p>
+            <a:pPr marL="514350" indent="-514350">
+              <a:buFont typeface="+mj-lt"/>
+              <a:buAutoNum type="arabicPeriod"/>
+            </a:pPr>
+            <a:r>
+              <a:rPr lang="en-US" dirty="0"/>
+              <a:t>No parameters; takes no input</a:t>
+            </a:r>
+          </a:p>
+          <a:p>
+            <a:pPr marL="514350" indent="-514350">
+              <a:buFont typeface="+mj-lt"/>
+              <a:buAutoNum type="arabicPeriod"/>
+            </a:pPr>
+            <a:r>
+              <a:rPr lang="en-US" dirty="0"/>
+              <a:t>Body must </a:t>
+            </a:r>
+            <a:r>
+              <a:rPr lang="en-US" dirty="0">
+                <a:latin typeface="Consolas" panose="020B0609020204030204" pitchFamily="49" charset="0"/>
+              </a:rPr>
+              <a:t>return</a:t>
+            </a:r>
+            <a:r>
+              <a:rPr lang="en-US" dirty="0"/>
+              <a:t> the instance variable</a:t>
+            </a:r>
+          </a:p>
+        </p:txBody>
+      </p:sp>
+      <p:sp>
+        <p:nvSpPr>
+          <p:cNvPr id="4" name="Footer Placeholder 3"/>
+          <p:cNvSpPr>
+            <a:spLocks noGrp="1"/>
+          </p:cNvSpPr>
+          <p:nvPr>
+            <p:ph type="ftr" sz="quarter" idx="11"/>
+          </p:nvPr>
+        </p:nvSpPr>
+        <p:spPr/>
+        <p:txBody>
+          <a:bodyPr/>
+          <a:lstStyle/>
+          <a:p>
+            <a:r>
+              <a:rPr lang="en-US"/>
+              <a:t>CSCI 1301</a:t>
+            </a:r>
+          </a:p>
+        </p:txBody>
+      </p:sp>
+      <p:sp>
+        <p:nvSpPr>
+          <p:cNvPr id="5" name="TextBox 4">
+            <a:extLst>
+              <a:ext uri="{FF2B5EF4-FFF2-40B4-BE49-F238E27FC236}">
+                <a16:creationId xmlns:a16="http://schemas.microsoft.com/office/drawing/2014/main" id="{2451F166-483E-4A17-AE2E-E31A5FD82D39}"/>
+              </a:ext>
+            </a:extLst>
+          </p:cNvPr>
+          <p:cNvSpPr txBox="1"/>
+          <p:nvPr/>
+        </p:nvSpPr>
+        <p:spPr>
+          <a:xfrm>
+            <a:off x="989012" y="4623475"/>
+            <a:ext cx="3657600" cy="1636089"/>
+          </a:xfrm>
+          <a:prstGeom prst="rect">
+            <a:avLst/>
+          </a:prstGeom>
+          <a:solidFill>
+            <a:schemeClr val="bg1">
+              <a:lumMod val="85000"/>
+              <a:lumOff val="15000"/>
+            </a:schemeClr>
+          </a:solidFill>
+        </p:spPr>
+        <p:txBody>
+          <a:bodyPr wrap="square" rtlCol="0">
+            <a:spAutoFit/>
+          </a:bodyPr>
+          <a:lstStyle>
+            <a:defPPr>
+              <a:defRPr lang="en-US"/>
+            </a:defPPr>
+            <a:lvl1pPr>
+              <a:lnSpc>
+                <a:spcPct val="113000"/>
+              </a:lnSpc>
+              <a:defRPr sz="2200">
+                <a:solidFill>
+                  <a:srgbClr val="0099FF"/>
+                </a:solidFill>
+                <a:latin typeface="Consolas" panose="020B0609020204030204" pitchFamily="49" charset="0"/>
+              </a:defRPr>
+            </a:lvl1pPr>
+          </a:lstStyle>
+          <a:p>
+            <a:pPr>
+              <a:lnSpc>
+                <a:spcPct val="114000"/>
+              </a:lnSpc>
+            </a:pPr>
+            <a:r>
+              <a:rPr lang="en-US" dirty="0"/>
+              <a:t>public </a:t>
+            </a:r>
+            <a:r>
+              <a:rPr lang="en-US" dirty="0" err="1"/>
+              <a:t>int</a:t>
+            </a:r>
+            <a:r>
+              <a:rPr lang="en-US" dirty="0">
+                <a:solidFill>
+                  <a:schemeClr val="tx1"/>
+                </a:solidFill>
+              </a:rPr>
+              <a:t> </a:t>
+            </a:r>
+            <a:r>
+              <a:rPr lang="en-US" dirty="0" err="1">
+                <a:solidFill>
+                  <a:srgbClr val="CC9900"/>
+                </a:solidFill>
+              </a:rPr>
+              <a:t>GetLength</a:t>
+            </a:r>
+            <a:r>
+              <a:rPr lang="en-US" dirty="0">
+                <a:solidFill>
+                  <a:schemeClr val="tx1"/>
+                </a:solidFill>
+              </a:rPr>
+              <a:t>()</a:t>
+            </a:r>
+          </a:p>
+          <a:p>
+            <a:pPr>
+              <a:lnSpc>
+                <a:spcPct val="114000"/>
+              </a:lnSpc>
+            </a:pPr>
+            <a:r>
+              <a:rPr lang="en-US" dirty="0">
+                <a:solidFill>
+                  <a:schemeClr val="tx1"/>
+                </a:solidFill>
+              </a:rPr>
+              <a:t>{</a:t>
+            </a:r>
+          </a:p>
+          <a:p>
+            <a:pPr>
+              <a:lnSpc>
+                <a:spcPct val="114000"/>
+              </a:lnSpc>
+            </a:pPr>
+            <a:r>
+              <a:rPr lang="en-US" dirty="0">
+                <a:solidFill>
+                  <a:schemeClr val="tx1"/>
+                </a:solidFill>
+              </a:rPr>
+              <a:t>  </a:t>
+            </a:r>
+            <a:r>
+              <a:rPr lang="en-US" dirty="0">
+                <a:solidFill>
+                  <a:srgbClr val="9900FF"/>
+                </a:solidFill>
+              </a:rPr>
+              <a:t>return</a:t>
+            </a:r>
+            <a:r>
+              <a:rPr lang="en-US" dirty="0">
+                <a:solidFill>
+                  <a:schemeClr val="tx1"/>
+                </a:solidFill>
+              </a:rPr>
+              <a:t> length;</a:t>
+            </a:r>
+          </a:p>
+          <a:p>
+            <a:pPr>
+              <a:lnSpc>
+                <a:spcPct val="114000"/>
+              </a:lnSpc>
+            </a:pPr>
+            <a:r>
+              <a:rPr lang="en-US" dirty="0">
+                <a:solidFill>
+                  <a:schemeClr val="tx1"/>
+                </a:solidFill>
+              </a:rPr>
+              <a:t>}</a:t>
+            </a:r>
+          </a:p>
+        </p:txBody>
+      </p:sp>
+      <p:sp>
+        <p:nvSpPr>
+          <p:cNvPr id="6" name="TextBox 5">
+            <a:extLst>
+              <a:ext uri="{FF2B5EF4-FFF2-40B4-BE49-F238E27FC236}">
+                <a16:creationId xmlns:a16="http://schemas.microsoft.com/office/drawing/2014/main" id="{1B98A60A-2C0C-4088-9F76-1511419B5995}"/>
+              </a:ext>
+            </a:extLst>
+          </p:cNvPr>
+          <p:cNvSpPr txBox="1"/>
+          <p:nvPr/>
+        </p:nvSpPr>
+        <p:spPr>
+          <a:xfrm>
+            <a:off x="989012" y="3962400"/>
+            <a:ext cx="3657600" cy="430887"/>
+          </a:xfrm>
+          <a:prstGeom prst="rect">
+            <a:avLst/>
+          </a:prstGeom>
+          <a:solidFill>
+            <a:schemeClr val="bg1">
+              <a:lumMod val="85000"/>
+              <a:lumOff val="15000"/>
+            </a:schemeClr>
+          </a:solidFill>
+        </p:spPr>
+        <p:txBody>
+          <a:bodyPr wrap="square" rtlCol="0">
+            <a:spAutoFit/>
+          </a:bodyPr>
+          <a:lstStyle>
+            <a:defPPr>
+              <a:defRPr lang="en-US"/>
+            </a:defPPr>
+            <a:lvl1pPr>
+              <a:lnSpc>
+                <a:spcPct val="113000"/>
+              </a:lnSpc>
+              <a:defRPr sz="2200">
+                <a:solidFill>
+                  <a:srgbClr val="0099FF"/>
+                </a:solidFill>
+                <a:latin typeface="Consolas" panose="020B0609020204030204" pitchFamily="49" charset="0"/>
+              </a:defRPr>
+            </a:lvl1pPr>
+          </a:lstStyle>
+          <a:p>
+            <a:pPr>
+              <a:lnSpc>
+                <a:spcPct val="100000"/>
+              </a:lnSpc>
+            </a:pPr>
+            <a:r>
+              <a:rPr lang="en-US" dirty="0"/>
+              <a:t>private </a:t>
+            </a:r>
+            <a:r>
+              <a:rPr lang="en-US" dirty="0" err="1"/>
+              <a:t>int</a:t>
+            </a:r>
+            <a:r>
+              <a:rPr lang="en-US" dirty="0"/>
+              <a:t> </a:t>
+            </a:r>
+            <a:r>
+              <a:rPr lang="en-US" dirty="0">
+                <a:solidFill>
+                  <a:schemeClr val="tx1"/>
+                </a:solidFill>
+              </a:rPr>
+              <a:t>length;</a:t>
+            </a:r>
+          </a:p>
+        </p:txBody>
+      </p:sp>
+      <p:cxnSp>
+        <p:nvCxnSpPr>
+          <p:cNvPr id="7" name="Straight Connector 6">
+            <a:extLst>
+              <a:ext uri="{FF2B5EF4-FFF2-40B4-BE49-F238E27FC236}">
+                <a16:creationId xmlns:a16="http://schemas.microsoft.com/office/drawing/2014/main" id="{FFCB679F-1215-4C6C-8069-69BC651030C8}"/>
+              </a:ext>
+            </a:extLst>
+          </p:cNvPr>
+          <p:cNvCxnSpPr>
+            <a:cxnSpLocks/>
+          </p:cNvCxnSpPr>
+          <p:nvPr/>
+        </p:nvCxnSpPr>
+        <p:spPr>
+          <a:xfrm>
+            <a:off x="531812" y="4527496"/>
+            <a:ext cx="4495800" cy="0"/>
+          </a:xfrm>
+          <a:prstGeom prst="line">
+            <a:avLst/>
+          </a:prstGeom>
+          <a:ln>
+            <a:prstDash val="dash"/>
+          </a:ln>
+        </p:spPr>
+        <p:style>
+          <a:lnRef idx="2">
+            <a:schemeClr val="accent3"/>
+          </a:lnRef>
+          <a:fillRef idx="0">
+            <a:schemeClr val="accent3"/>
+          </a:fillRef>
+          <a:effectRef idx="1">
+            <a:schemeClr val="accent3"/>
+          </a:effectRef>
+          <a:fontRef idx="minor">
+            <a:schemeClr val="tx1"/>
+          </a:fontRef>
+        </p:style>
+      </p:cxnSp>
+      <p:sp>
+        <p:nvSpPr>
+          <p:cNvPr id="8" name="Oval 7">
+            <a:extLst>
+              <a:ext uri="{FF2B5EF4-FFF2-40B4-BE49-F238E27FC236}">
+                <a16:creationId xmlns:a16="http://schemas.microsoft.com/office/drawing/2014/main" id="{6C91F84A-C07C-46FD-9E40-64706308F8CC}"/>
+              </a:ext>
+            </a:extLst>
+          </p:cNvPr>
+          <p:cNvSpPr/>
+          <p:nvPr/>
+        </p:nvSpPr>
+        <p:spPr>
+          <a:xfrm>
+            <a:off x="1000487" y="4661706"/>
+            <a:ext cx="1143000" cy="457200"/>
+          </a:xfrm>
+          <a:prstGeom prst="ellipse">
+            <a:avLst/>
+          </a:prstGeom>
+          <a:noFill/>
+          <a:ln>
+            <a:solidFill>
+              <a:schemeClr val="accent5"/>
+            </a:solidFill>
+          </a:ln>
+        </p:spPr>
+        <p:style>
+          <a:lnRef idx="2">
+            <a:schemeClr val="accent1">
+              <a:shade val="50000"/>
+            </a:schemeClr>
+          </a:lnRef>
+          <a:fillRef idx="1">
+            <a:schemeClr val="accent1"/>
+          </a:fillRef>
+          <a:effectRef idx="0">
+            <a:schemeClr val="accent1"/>
+          </a:effectRef>
+          <a:fontRef idx="minor">
+            <a:schemeClr val="lt1"/>
+          </a:fontRef>
+        </p:style>
+        <p:txBody>
+          <a:bodyPr rtlCol="0" anchor="ctr"/>
+          <a:lstStyle/>
+          <a:p>
+            <a:pPr algn="ctr"/>
+            <a:endParaRPr lang="en-US"/>
+          </a:p>
+        </p:txBody>
+      </p:sp>
+      <p:sp>
+        <p:nvSpPr>
+          <p:cNvPr id="10" name="TextBox 9">
+            <a:extLst>
+              <a:ext uri="{FF2B5EF4-FFF2-40B4-BE49-F238E27FC236}">
+                <a16:creationId xmlns:a16="http://schemas.microsoft.com/office/drawing/2014/main" id="{2451F166-483E-4A17-AE2E-E31A5FD82D39}"/>
+              </a:ext>
+            </a:extLst>
+          </p:cNvPr>
+          <p:cNvSpPr txBox="1"/>
+          <p:nvPr/>
+        </p:nvSpPr>
+        <p:spPr>
+          <a:xfrm>
+            <a:off x="7313612" y="4623475"/>
+            <a:ext cx="3657600" cy="1636089"/>
+          </a:xfrm>
+          <a:prstGeom prst="rect">
+            <a:avLst/>
+          </a:prstGeom>
+          <a:solidFill>
+            <a:schemeClr val="bg1">
+              <a:lumMod val="85000"/>
+              <a:lumOff val="15000"/>
+            </a:schemeClr>
+          </a:solidFill>
+        </p:spPr>
+        <p:txBody>
+          <a:bodyPr wrap="square" rtlCol="0">
+            <a:spAutoFit/>
+          </a:bodyPr>
+          <a:lstStyle>
+            <a:defPPr>
+              <a:defRPr lang="en-US"/>
+            </a:defPPr>
+            <a:lvl1pPr>
+              <a:lnSpc>
+                <a:spcPct val="113000"/>
+              </a:lnSpc>
+              <a:defRPr sz="2200">
+                <a:solidFill>
+                  <a:srgbClr val="0099FF"/>
+                </a:solidFill>
+                <a:latin typeface="Consolas" panose="020B0609020204030204" pitchFamily="49" charset="0"/>
+              </a:defRPr>
+            </a:lvl1pPr>
+          </a:lstStyle>
+          <a:p>
+            <a:pPr>
+              <a:lnSpc>
+                <a:spcPct val="114000"/>
+              </a:lnSpc>
+            </a:pPr>
+            <a:r>
+              <a:rPr lang="en-US" dirty="0"/>
+              <a:t>public </a:t>
+            </a:r>
+            <a:r>
+              <a:rPr lang="en-US" dirty="0" err="1"/>
+              <a:t>int</a:t>
+            </a:r>
+            <a:r>
+              <a:rPr lang="en-US" dirty="0">
+                <a:solidFill>
+                  <a:schemeClr val="tx1"/>
+                </a:solidFill>
+              </a:rPr>
+              <a:t> </a:t>
+            </a:r>
+            <a:r>
+              <a:rPr lang="en-US" dirty="0" err="1">
+                <a:solidFill>
+                  <a:srgbClr val="CC9900"/>
+                </a:solidFill>
+              </a:rPr>
+              <a:t>GetWidth</a:t>
+            </a:r>
+            <a:r>
+              <a:rPr lang="en-US" dirty="0">
+                <a:solidFill>
+                  <a:schemeClr val="tx1"/>
+                </a:solidFill>
+              </a:rPr>
+              <a:t>()</a:t>
+            </a:r>
+          </a:p>
+          <a:p>
+            <a:pPr>
+              <a:lnSpc>
+                <a:spcPct val="114000"/>
+              </a:lnSpc>
+            </a:pPr>
+            <a:r>
+              <a:rPr lang="en-US" dirty="0">
+                <a:solidFill>
+                  <a:schemeClr val="tx1"/>
+                </a:solidFill>
+              </a:rPr>
+              <a:t>{</a:t>
+            </a:r>
+          </a:p>
+          <a:p>
+            <a:pPr>
+              <a:lnSpc>
+                <a:spcPct val="114000"/>
+              </a:lnSpc>
+            </a:pPr>
+            <a:r>
+              <a:rPr lang="en-US" dirty="0">
+                <a:solidFill>
+                  <a:schemeClr val="tx1"/>
+                </a:solidFill>
+              </a:rPr>
+              <a:t>  </a:t>
+            </a:r>
+            <a:r>
+              <a:rPr lang="en-US" dirty="0">
+                <a:solidFill>
+                  <a:srgbClr val="9900FF"/>
+                </a:solidFill>
+              </a:rPr>
+              <a:t>return</a:t>
+            </a:r>
+            <a:r>
+              <a:rPr lang="en-US" dirty="0">
+                <a:solidFill>
+                  <a:schemeClr val="tx1"/>
+                </a:solidFill>
+              </a:rPr>
+              <a:t> width;</a:t>
+            </a:r>
+          </a:p>
+          <a:p>
+            <a:pPr>
+              <a:lnSpc>
+                <a:spcPct val="114000"/>
+              </a:lnSpc>
+            </a:pPr>
+            <a:r>
+              <a:rPr lang="en-US" dirty="0">
+                <a:solidFill>
+                  <a:schemeClr val="tx1"/>
+                </a:solidFill>
+              </a:rPr>
+              <a:t>}</a:t>
+            </a:r>
+          </a:p>
+        </p:txBody>
+      </p:sp>
+      <p:sp>
+        <p:nvSpPr>
+          <p:cNvPr id="11" name="TextBox 10">
+            <a:extLst>
+              <a:ext uri="{FF2B5EF4-FFF2-40B4-BE49-F238E27FC236}">
+                <a16:creationId xmlns:a16="http://schemas.microsoft.com/office/drawing/2014/main" id="{1B98A60A-2C0C-4088-9F76-1511419B5995}"/>
+              </a:ext>
+            </a:extLst>
+          </p:cNvPr>
+          <p:cNvSpPr txBox="1"/>
+          <p:nvPr/>
+        </p:nvSpPr>
+        <p:spPr>
+          <a:xfrm>
+            <a:off x="7313612" y="3962400"/>
+            <a:ext cx="3657600" cy="430887"/>
+          </a:xfrm>
+          <a:prstGeom prst="rect">
+            <a:avLst/>
+          </a:prstGeom>
+          <a:solidFill>
+            <a:schemeClr val="bg1">
+              <a:lumMod val="85000"/>
+              <a:lumOff val="15000"/>
+            </a:schemeClr>
+          </a:solidFill>
+        </p:spPr>
+        <p:txBody>
+          <a:bodyPr wrap="square" rtlCol="0">
+            <a:spAutoFit/>
+          </a:bodyPr>
+          <a:lstStyle>
+            <a:defPPr>
+              <a:defRPr lang="en-US"/>
+            </a:defPPr>
+            <a:lvl1pPr>
+              <a:lnSpc>
+                <a:spcPct val="113000"/>
+              </a:lnSpc>
+              <a:defRPr sz="2200">
+                <a:solidFill>
+                  <a:srgbClr val="0099FF"/>
+                </a:solidFill>
+                <a:latin typeface="Consolas" panose="020B0609020204030204" pitchFamily="49" charset="0"/>
+              </a:defRPr>
+            </a:lvl1pPr>
+          </a:lstStyle>
+          <a:p>
+            <a:pPr>
+              <a:lnSpc>
+                <a:spcPct val="100000"/>
+              </a:lnSpc>
+            </a:pPr>
+            <a:r>
+              <a:rPr lang="en-US" dirty="0"/>
+              <a:t>private </a:t>
+            </a:r>
+            <a:r>
+              <a:rPr lang="en-US" dirty="0" err="1"/>
+              <a:t>int</a:t>
+            </a:r>
+            <a:r>
+              <a:rPr lang="en-US" dirty="0"/>
+              <a:t> </a:t>
+            </a:r>
+            <a:r>
+              <a:rPr lang="en-US" dirty="0">
+                <a:solidFill>
+                  <a:schemeClr val="tx1"/>
+                </a:solidFill>
+              </a:rPr>
+              <a:t>width;</a:t>
+            </a:r>
+          </a:p>
+        </p:txBody>
+      </p:sp>
+      <p:cxnSp>
+        <p:nvCxnSpPr>
+          <p:cNvPr id="12" name="Straight Connector 11">
+            <a:extLst>
+              <a:ext uri="{FF2B5EF4-FFF2-40B4-BE49-F238E27FC236}">
+                <a16:creationId xmlns:a16="http://schemas.microsoft.com/office/drawing/2014/main" id="{FFCB679F-1215-4C6C-8069-69BC651030C8}"/>
+              </a:ext>
+            </a:extLst>
+          </p:cNvPr>
+          <p:cNvCxnSpPr>
+            <a:cxnSpLocks/>
+          </p:cNvCxnSpPr>
+          <p:nvPr/>
+        </p:nvCxnSpPr>
+        <p:spPr>
+          <a:xfrm>
+            <a:off x="6856412" y="4527496"/>
+            <a:ext cx="4495800" cy="0"/>
+          </a:xfrm>
+          <a:prstGeom prst="line">
+            <a:avLst/>
+          </a:prstGeom>
+          <a:ln>
+            <a:prstDash val="dash"/>
+          </a:ln>
+        </p:spPr>
+        <p:style>
+          <a:lnRef idx="2">
+            <a:schemeClr val="accent3"/>
+          </a:lnRef>
+          <a:fillRef idx="0">
+            <a:schemeClr val="accent3"/>
+          </a:fillRef>
+          <a:effectRef idx="1">
+            <a:schemeClr val="accent3"/>
+          </a:effectRef>
+          <a:fontRef idx="minor">
+            <a:schemeClr val="tx1"/>
+          </a:fontRef>
+        </p:style>
+      </p:cxnSp>
+      <p:cxnSp>
+        <p:nvCxnSpPr>
+          <p:cNvPr id="14" name="Straight Arrow Connector 13"/>
+          <p:cNvCxnSpPr/>
+          <p:nvPr/>
+        </p:nvCxnSpPr>
+        <p:spPr>
+          <a:xfrm flipH="1">
+            <a:off x="2436812" y="4317881"/>
+            <a:ext cx="76200" cy="406519"/>
+          </a:xfrm>
+          <a:prstGeom prst="straightConnector1">
+            <a:avLst/>
+          </a:prstGeom>
+          <a:ln>
+            <a:headEnd type="triangle" w="med" len="med"/>
+            <a:tailEnd type="triangle" w="med" len="med"/>
+          </a:ln>
+        </p:spPr>
+        <p:style>
+          <a:lnRef idx="2">
+            <a:schemeClr val="accent6"/>
+          </a:lnRef>
+          <a:fillRef idx="0">
+            <a:schemeClr val="accent6"/>
+          </a:fillRef>
+          <a:effectRef idx="1">
+            <a:schemeClr val="accent6"/>
+          </a:effectRef>
+          <a:fontRef idx="minor">
+            <a:schemeClr val="tx1"/>
+          </a:fontRef>
+        </p:style>
+      </p:cxnSp>
+    </p:spTree>
+    <p:extLst>
+      <p:ext uri="{BB962C8B-B14F-4D97-AF65-F5344CB8AC3E}">
+        <p14:creationId xmlns:p14="http://schemas.microsoft.com/office/powerpoint/2010/main" val="1315665687"/>
+      </p:ext>
+    </p:extLst>
+  </p:cSld>
+  <p:clrMapOvr>
+    <a:masterClrMapping/>
+  </p:clrMapOvr>
+  <p:timing>
+    <p:tnLst>
+      <p:par>
+        <p:cTn id="1" dur="indefinite" restart="never" nodeType="tmRoot">
+          <p:childTnLst>
+            <p:seq concurrent="1" nextAc="seek">
+              <p:cTn id="2" dur="indefinite" nodeType="mainSeq">
+                <p:childTnLst>
+                  <p:par>
+                    <p:cTn id="3" fill="hold">
+                      <p:stCondLst>
+                        <p:cond delay="indefinite"/>
+                      </p:stCondLst>
+                      <p:childTnLst>
+                        <p:par>
+                          <p:cTn id="4" fill="hold">
+                            <p:stCondLst>
+                              <p:cond delay="0"/>
+                            </p:stCondLst>
+                            <p:childTnLst>
+                              <p:par>
+                                <p:cTn id="5" presetID="1" presetClass="entr" presetSubtype="0" fill="hold" grpId="0" nodeType="clickEffect">
+                                  <p:stCondLst>
+                                    <p:cond delay="0"/>
+                                  </p:stCondLst>
+                                  <p:childTnLst>
+                                    <p:set>
+                                      <p:cBhvr>
+                                        <p:cTn id="6" dur="1" fill="hold">
+                                          <p:stCondLst>
+                                            <p:cond delay="0"/>
+                                          </p:stCondLst>
+                                        </p:cTn>
+                                        <p:tgtEl>
+                                          <p:spTgt spid="11"/>
+                                        </p:tgtEl>
+                                        <p:attrNameLst>
+                                          <p:attrName>style.visibility</p:attrName>
+                                        </p:attrNameLst>
+                                      </p:cBhvr>
+                                      <p:to>
+                                        <p:strVal val="visible"/>
+                                      </p:to>
+                                    </p:set>
+                                  </p:childTnLst>
+                                </p:cTn>
+                              </p:par>
+                              <p:par>
+                                <p:cTn id="7" presetID="1" presetClass="entr" presetSubtype="0" fill="hold" nodeType="withEffect">
+                                  <p:stCondLst>
+                                    <p:cond delay="0"/>
+                                  </p:stCondLst>
+                                  <p:childTnLst>
+                                    <p:set>
+                                      <p:cBhvr>
+                                        <p:cTn id="8" dur="1" fill="hold">
+                                          <p:stCondLst>
+                                            <p:cond delay="0"/>
+                                          </p:stCondLst>
+                                        </p:cTn>
+                                        <p:tgtEl>
+                                          <p:spTgt spid="12"/>
+                                        </p:tgtEl>
+                                        <p:attrNameLst>
+                                          <p:attrName>style.visibility</p:attrName>
+                                        </p:attrNameLst>
+                                      </p:cBhvr>
+                                      <p:to>
+                                        <p:strVal val="visible"/>
+                                      </p:to>
+                                    </p:set>
+                                  </p:childTnLst>
+                                </p:cTn>
+                              </p:par>
+                              <p:par>
+                                <p:cTn id="9" presetID="1" presetClass="entr" presetSubtype="0" fill="hold" grpId="0" nodeType="withEffect">
+                                  <p:stCondLst>
+                                    <p:cond delay="0"/>
+                                  </p:stCondLst>
+                                  <p:childTnLst>
+                                    <p:set>
+                                      <p:cBhvr>
+                                        <p:cTn id="10" dur="1" fill="hold">
+                                          <p:stCondLst>
+                                            <p:cond delay="0"/>
+                                          </p:stCondLst>
+                                        </p:cTn>
+                                        <p:tgtEl>
+                                          <p:spTgt spid="10"/>
+                                        </p:tgtEl>
+                                        <p:attrNameLst>
+                                          <p:attrName>style.visibility</p:attrName>
+                                        </p:attrNameLst>
+                                      </p:cBhvr>
+                                      <p:to>
+                                        <p:strVal val="visible"/>
+                                      </p:to>
+                                    </p:set>
+                                  </p:childTnLst>
+                                </p:cTn>
+                              </p:par>
+                            </p:childTnLst>
+                          </p:cTn>
+                        </p:par>
+                      </p:childTnLst>
+                    </p:cTn>
+                  </p:par>
+                </p:childTnLst>
+              </p:cTn>
+              <p:prevCondLst>
+                <p:cond evt="onPrev" delay="0">
+                  <p:tgtEl>
+                    <p:sldTgt/>
+                  </p:tgtEl>
+                </p:cond>
+              </p:prevCondLst>
+              <p:nextCondLst>
+                <p:cond evt="onNext" delay="0">
+                  <p:tgtEl>
+                    <p:sldTgt/>
+                  </p:tgtEl>
+                </p:cond>
+              </p:nextCondLst>
+            </p:seq>
+          </p:childTnLst>
+        </p:cTn>
+      </p:par>
+    </p:tnLst>
+    <p:bldLst>
+      <p:bldP spid="10" grpId="0" animBg="1"/>
+      <p:bldP spid="11" grpId="0" animBg="1"/>
+    </p:bldLst>
+  </p:timing>
+</p:sld>
+</file>
+
+<file path=ppt/slides/slide17.xml><?xml version="1.0" encoding="utf-8"?>
+<p:sld xmlns:a="http://schemas.openxmlformats.org/drawingml/2006/main" xmlns:r="http://schemas.openxmlformats.org/officeDocument/2006/relationships" xmlns:p="http://schemas.openxmlformats.org/presentationml/2006/main">
+  <p:cSld>
+    <p:spTree>
+      <p:nvGrpSpPr>
+        <p:cNvPr id="1" name=""/>
+        <p:cNvGrpSpPr/>
+        <p:nvPr/>
+      </p:nvGrpSpPr>
+      <p:grpSpPr>
+        <a:xfrm>
+          <a:off x="0" y="0"/>
+          <a:ext cx="0" cy="0"/>
+          <a:chOff x="0" y="0"/>
+          <a:chExt cx="0" cy="0"/>
+        </a:xfrm>
+      </p:grpSpPr>
+      <p:sp>
+        <p:nvSpPr>
+          <p:cNvPr id="2" name="Title 1"/>
+          <p:cNvSpPr>
+            <a:spLocks noGrp="1"/>
+          </p:cNvSpPr>
+          <p:nvPr>
+            <p:ph type="title"/>
+          </p:nvPr>
+        </p:nvSpPr>
+        <p:spPr/>
+        <p:txBody>
+          <a:bodyPr/>
+          <a:lstStyle/>
+          <a:p>
+            <a:r>
+              <a:rPr lang="en-US" dirty="0"/>
+              <a:t>Structure of a Setter</a:t>
+            </a:r>
+          </a:p>
+        </p:txBody>
+      </p:sp>
+      <p:sp>
+        <p:nvSpPr>
+          <p:cNvPr id="3" name="Content Placeholder 2"/>
+          <p:cNvSpPr>
+            <a:spLocks noGrp="1"/>
+          </p:cNvSpPr>
+          <p:nvPr>
+            <p:ph idx="1"/>
+          </p:nvPr>
+        </p:nvSpPr>
+        <p:spPr/>
+        <p:txBody>
+          <a:bodyPr/>
+          <a:lstStyle/>
+          <a:p>
+            <a:pPr marL="0" indent="0">
+              <a:buNone/>
+            </a:pPr>
+            <a:r>
+              <a:rPr lang="en-US" dirty="0"/>
+              <a:t>Important parts of a “setter” method:</a:t>
+            </a:r>
+          </a:p>
+          <a:p>
+            <a:pPr marL="514350" indent="-514350">
+              <a:buFont typeface="+mj-lt"/>
+              <a:buAutoNum type="arabicPeriod"/>
+            </a:pPr>
+            <a:r>
+              <a:rPr lang="en-US" dirty="0"/>
+              <a:t>Return type is </a:t>
+            </a:r>
+            <a:r>
+              <a:rPr lang="en-US" dirty="0">
+                <a:latin typeface="Consolas" panose="020B0609020204030204" pitchFamily="49" charset="0"/>
+              </a:rPr>
+              <a:t>void</a:t>
+            </a:r>
+            <a:r>
+              <a:rPr lang="en-US" dirty="0"/>
+              <a:t> – no </a:t>
+            </a:r>
+            <a:r>
+              <a:rPr lang="en-US" dirty="0">
+                <a:latin typeface="Consolas" panose="020B0609020204030204" pitchFamily="49" charset="0"/>
+              </a:rPr>
+              <a:t>return</a:t>
+            </a:r>
+            <a:r>
+              <a:rPr lang="en-US" dirty="0"/>
+              <a:t> statement</a:t>
+            </a:r>
+          </a:p>
+          <a:p>
+            <a:pPr marL="514350" indent="-514350">
+              <a:buFont typeface="+mj-lt"/>
+              <a:buAutoNum type="arabicPeriod"/>
+            </a:pPr>
+            <a:r>
+              <a:rPr lang="en-US" dirty="0"/>
+              <a:t>One parameter, with same type as instance variable</a:t>
+            </a:r>
+          </a:p>
+          <a:p>
+            <a:pPr marL="514350" indent="-514350">
+              <a:buFont typeface="+mj-lt"/>
+              <a:buAutoNum type="arabicPeriod"/>
+            </a:pPr>
+            <a:r>
+              <a:rPr lang="en-US" dirty="0"/>
+              <a:t>Body assigns the parameter to the instance variable </a:t>
+            </a:r>
+          </a:p>
+          <a:p>
+            <a:endParaRPr lang="en-US" dirty="0"/>
+          </a:p>
+        </p:txBody>
+      </p:sp>
+      <p:sp>
+        <p:nvSpPr>
+          <p:cNvPr id="4" name="Footer Placeholder 3"/>
+          <p:cNvSpPr>
+            <a:spLocks noGrp="1"/>
+          </p:cNvSpPr>
+          <p:nvPr>
+            <p:ph type="ftr" sz="quarter" idx="11"/>
+          </p:nvPr>
+        </p:nvSpPr>
+        <p:spPr/>
+        <p:txBody>
+          <a:bodyPr/>
+          <a:lstStyle/>
+          <a:p>
+            <a:r>
+              <a:rPr lang="en-US"/>
+              <a:t>CSCI 1301</a:t>
+            </a:r>
+          </a:p>
+        </p:txBody>
+      </p:sp>
+      <p:sp>
+        <p:nvSpPr>
+          <p:cNvPr id="5" name="TextBox 4">
+            <a:extLst>
+              <a:ext uri="{FF2B5EF4-FFF2-40B4-BE49-F238E27FC236}">
+                <a16:creationId xmlns:a16="http://schemas.microsoft.com/office/drawing/2014/main" id="{2451F166-483E-4A17-AE2E-E31A5FD82D39}"/>
+              </a:ext>
+            </a:extLst>
+          </p:cNvPr>
+          <p:cNvSpPr txBox="1"/>
+          <p:nvPr/>
+        </p:nvSpPr>
+        <p:spPr>
+          <a:xfrm>
+            <a:off x="2741612" y="4623475"/>
+            <a:ext cx="6705600" cy="1636089"/>
+          </a:xfrm>
+          <a:prstGeom prst="rect">
+            <a:avLst/>
+          </a:prstGeom>
+          <a:solidFill>
+            <a:schemeClr val="bg1">
+              <a:lumMod val="85000"/>
+              <a:lumOff val="15000"/>
+            </a:schemeClr>
+          </a:solidFill>
+        </p:spPr>
+        <p:txBody>
+          <a:bodyPr wrap="square" rtlCol="0">
+            <a:spAutoFit/>
+          </a:bodyPr>
+          <a:lstStyle>
+            <a:defPPr>
+              <a:defRPr lang="en-US"/>
+            </a:defPPr>
+            <a:lvl1pPr>
+              <a:lnSpc>
+                <a:spcPct val="113000"/>
+              </a:lnSpc>
+              <a:defRPr sz="2200">
+                <a:solidFill>
+                  <a:srgbClr val="0099FF"/>
+                </a:solidFill>
+                <a:latin typeface="Consolas" panose="020B0609020204030204" pitchFamily="49" charset="0"/>
+              </a:defRPr>
+            </a:lvl1pPr>
+          </a:lstStyle>
+          <a:p>
+            <a:pPr>
+              <a:lnSpc>
+                <a:spcPct val="114000"/>
+              </a:lnSpc>
+            </a:pPr>
+            <a:r>
+              <a:rPr lang="en-US" dirty="0"/>
+              <a:t>public void</a:t>
+            </a:r>
+            <a:r>
+              <a:rPr lang="en-US" dirty="0">
+                <a:solidFill>
+                  <a:schemeClr val="tx1"/>
+                </a:solidFill>
+              </a:rPr>
+              <a:t> </a:t>
+            </a:r>
+            <a:r>
+              <a:rPr lang="en-US" dirty="0" err="1">
+                <a:solidFill>
+                  <a:srgbClr val="CC9900"/>
+                </a:solidFill>
+              </a:rPr>
+              <a:t>SetLength</a:t>
+            </a:r>
+            <a:r>
+              <a:rPr lang="en-US" dirty="0">
+                <a:solidFill>
+                  <a:schemeClr val="tx1"/>
+                </a:solidFill>
+              </a:rPr>
+              <a:t>(</a:t>
+            </a:r>
+            <a:r>
+              <a:rPr lang="en-US" dirty="0" err="1"/>
+              <a:t>int</a:t>
+            </a:r>
+            <a:r>
+              <a:rPr lang="en-US" dirty="0"/>
+              <a:t> </a:t>
+            </a:r>
+            <a:r>
+              <a:rPr lang="en-US" dirty="0" err="1">
+                <a:solidFill>
+                  <a:schemeClr val="tx1"/>
+                </a:solidFill>
+              </a:rPr>
+              <a:t>lengthParameter</a:t>
+            </a:r>
+            <a:r>
+              <a:rPr lang="en-US" dirty="0">
+                <a:solidFill>
+                  <a:schemeClr val="tx1"/>
+                </a:solidFill>
+              </a:rPr>
+              <a:t>)</a:t>
+            </a:r>
+          </a:p>
+          <a:p>
+            <a:pPr>
+              <a:lnSpc>
+                <a:spcPct val="114000"/>
+              </a:lnSpc>
+            </a:pPr>
+            <a:r>
+              <a:rPr lang="en-US" dirty="0">
+                <a:solidFill>
+                  <a:schemeClr val="tx1"/>
+                </a:solidFill>
+              </a:rPr>
+              <a:t>{</a:t>
+            </a:r>
+          </a:p>
+          <a:p>
+            <a:pPr>
+              <a:lnSpc>
+                <a:spcPct val="114000"/>
+              </a:lnSpc>
+            </a:pPr>
+            <a:r>
+              <a:rPr lang="en-US" dirty="0">
+                <a:solidFill>
+                  <a:schemeClr val="tx1"/>
+                </a:solidFill>
+              </a:rPr>
+              <a:t>  length = </a:t>
+            </a:r>
+            <a:r>
+              <a:rPr lang="en-US" dirty="0" err="1">
+                <a:solidFill>
+                  <a:schemeClr val="tx1"/>
+                </a:solidFill>
+              </a:rPr>
+              <a:t>lengthParameter</a:t>
+            </a:r>
+            <a:r>
+              <a:rPr lang="en-US" dirty="0">
+                <a:solidFill>
+                  <a:schemeClr val="tx1"/>
+                </a:solidFill>
+              </a:rPr>
+              <a:t>;</a:t>
+            </a:r>
+          </a:p>
+          <a:p>
+            <a:pPr>
+              <a:lnSpc>
+                <a:spcPct val="114000"/>
+              </a:lnSpc>
+            </a:pPr>
+            <a:r>
+              <a:rPr lang="en-US" dirty="0">
+                <a:solidFill>
+                  <a:schemeClr val="tx1"/>
+                </a:solidFill>
+              </a:rPr>
+              <a:t>}</a:t>
+            </a:r>
+          </a:p>
+        </p:txBody>
+      </p:sp>
+      <p:sp>
+        <p:nvSpPr>
+          <p:cNvPr id="6" name="TextBox 5">
+            <a:extLst>
+              <a:ext uri="{FF2B5EF4-FFF2-40B4-BE49-F238E27FC236}">
+                <a16:creationId xmlns:a16="http://schemas.microsoft.com/office/drawing/2014/main" id="{1B98A60A-2C0C-4088-9F76-1511419B5995}"/>
+              </a:ext>
+            </a:extLst>
+          </p:cNvPr>
+          <p:cNvSpPr txBox="1"/>
+          <p:nvPr/>
+        </p:nvSpPr>
+        <p:spPr>
+          <a:xfrm>
+            <a:off x="2741612" y="3962400"/>
+            <a:ext cx="6705600" cy="430887"/>
+          </a:xfrm>
+          <a:prstGeom prst="rect">
+            <a:avLst/>
+          </a:prstGeom>
+          <a:solidFill>
+            <a:schemeClr val="bg1">
+              <a:lumMod val="85000"/>
+              <a:lumOff val="15000"/>
+            </a:schemeClr>
+          </a:solidFill>
+        </p:spPr>
+        <p:txBody>
+          <a:bodyPr wrap="square" rtlCol="0">
+            <a:spAutoFit/>
+          </a:bodyPr>
+          <a:lstStyle>
+            <a:defPPr>
+              <a:defRPr lang="en-US"/>
+            </a:defPPr>
+            <a:lvl1pPr>
+              <a:lnSpc>
+                <a:spcPct val="113000"/>
+              </a:lnSpc>
+              <a:defRPr sz="2200">
+                <a:solidFill>
+                  <a:srgbClr val="0099FF"/>
+                </a:solidFill>
+                <a:latin typeface="Consolas" panose="020B0609020204030204" pitchFamily="49" charset="0"/>
+              </a:defRPr>
+            </a:lvl1pPr>
+          </a:lstStyle>
+          <a:p>
+            <a:pPr>
+              <a:lnSpc>
+                <a:spcPct val="100000"/>
+              </a:lnSpc>
+            </a:pPr>
+            <a:r>
+              <a:rPr lang="en-US" dirty="0"/>
+              <a:t>private </a:t>
+            </a:r>
+            <a:r>
+              <a:rPr lang="en-US" dirty="0" err="1"/>
+              <a:t>int</a:t>
+            </a:r>
+            <a:r>
+              <a:rPr lang="en-US" dirty="0"/>
+              <a:t> </a:t>
+            </a:r>
+            <a:r>
+              <a:rPr lang="en-US" dirty="0">
+                <a:solidFill>
+                  <a:schemeClr val="tx1"/>
+                </a:solidFill>
+              </a:rPr>
+              <a:t>length;</a:t>
+            </a:r>
+          </a:p>
+        </p:txBody>
+      </p:sp>
+      <p:cxnSp>
+        <p:nvCxnSpPr>
+          <p:cNvPr id="7" name="Straight Connector 6">
+            <a:extLst>
+              <a:ext uri="{FF2B5EF4-FFF2-40B4-BE49-F238E27FC236}">
+                <a16:creationId xmlns:a16="http://schemas.microsoft.com/office/drawing/2014/main" id="{FFCB679F-1215-4C6C-8069-69BC651030C8}"/>
+              </a:ext>
+            </a:extLst>
+          </p:cNvPr>
+          <p:cNvCxnSpPr>
+            <a:cxnSpLocks/>
+          </p:cNvCxnSpPr>
+          <p:nvPr/>
+        </p:nvCxnSpPr>
+        <p:spPr>
+          <a:xfrm>
+            <a:off x="2284412" y="4527496"/>
+            <a:ext cx="7543800" cy="0"/>
+          </a:xfrm>
+          <a:prstGeom prst="line">
+            <a:avLst/>
+          </a:prstGeom>
+          <a:ln>
+            <a:prstDash val="dash"/>
+          </a:ln>
+        </p:spPr>
+        <p:style>
+          <a:lnRef idx="2">
+            <a:schemeClr val="accent3"/>
+          </a:lnRef>
+          <a:fillRef idx="0">
+            <a:schemeClr val="accent3"/>
+          </a:fillRef>
+          <a:effectRef idx="1">
+            <a:schemeClr val="accent3"/>
+          </a:effectRef>
+          <a:fontRef idx="minor">
+            <a:schemeClr val="tx1"/>
+          </a:fontRef>
+        </p:style>
+      </p:cxnSp>
+      <p:sp>
+        <p:nvSpPr>
+          <p:cNvPr id="8" name="Oval 7">
+            <a:extLst>
+              <a:ext uri="{FF2B5EF4-FFF2-40B4-BE49-F238E27FC236}">
+                <a16:creationId xmlns:a16="http://schemas.microsoft.com/office/drawing/2014/main" id="{6C91F84A-C07C-46FD-9E40-64706308F8CC}"/>
+              </a:ext>
+            </a:extLst>
+          </p:cNvPr>
+          <p:cNvSpPr/>
+          <p:nvPr/>
+        </p:nvSpPr>
+        <p:spPr>
+          <a:xfrm>
+            <a:off x="2753087" y="4661706"/>
+            <a:ext cx="1143000" cy="457200"/>
+          </a:xfrm>
+          <a:prstGeom prst="ellipse">
+            <a:avLst/>
+          </a:prstGeom>
+          <a:noFill/>
+          <a:ln>
+            <a:solidFill>
+              <a:schemeClr val="accent5"/>
+            </a:solidFill>
+          </a:ln>
+        </p:spPr>
+        <p:style>
+          <a:lnRef idx="2">
+            <a:schemeClr val="accent1">
+              <a:shade val="50000"/>
+            </a:schemeClr>
+          </a:lnRef>
+          <a:fillRef idx="1">
+            <a:schemeClr val="accent1"/>
+          </a:fillRef>
+          <a:effectRef idx="0">
+            <a:schemeClr val="accent1"/>
+          </a:effectRef>
+          <a:fontRef idx="minor">
+            <a:schemeClr val="lt1"/>
+          </a:fontRef>
+        </p:style>
+        <p:txBody>
+          <a:bodyPr rtlCol="0" anchor="ctr"/>
+          <a:lstStyle/>
+          <a:p>
+            <a:pPr algn="ctr"/>
+            <a:endParaRPr lang="en-US"/>
+          </a:p>
+        </p:txBody>
+      </p:sp>
+      <p:sp>
+        <p:nvSpPr>
+          <p:cNvPr id="10" name="TextBox 9"/>
+          <p:cNvSpPr txBox="1"/>
+          <p:nvPr/>
+        </p:nvSpPr>
+        <p:spPr>
+          <a:xfrm>
+            <a:off x="2970212" y="6161005"/>
+            <a:ext cx="2383986" cy="461665"/>
+          </a:xfrm>
+          <a:prstGeom prst="rect">
+            <a:avLst/>
+          </a:prstGeom>
+          <a:noFill/>
+        </p:spPr>
+        <p:txBody>
+          <a:bodyPr wrap="none" rtlCol="0">
+            <a:spAutoFit/>
+          </a:bodyPr>
+          <a:lstStyle/>
+          <a:p>
+            <a:r>
+              <a:rPr lang="en-US" dirty="0"/>
+              <a:t>Instance variable</a:t>
+            </a:r>
+          </a:p>
+        </p:txBody>
+      </p:sp>
+      <p:sp>
+        <p:nvSpPr>
+          <p:cNvPr id="11" name="TextBox 10"/>
+          <p:cNvSpPr txBox="1"/>
+          <p:nvPr/>
+        </p:nvSpPr>
+        <p:spPr>
+          <a:xfrm>
+            <a:off x="6128591" y="6161005"/>
+            <a:ext cx="1553630" cy="461665"/>
+          </a:xfrm>
+          <a:prstGeom prst="rect">
+            <a:avLst/>
+          </a:prstGeom>
+          <a:noFill/>
+        </p:spPr>
+        <p:txBody>
+          <a:bodyPr wrap="none" rtlCol="0">
+            <a:spAutoFit/>
+          </a:bodyPr>
+          <a:lstStyle/>
+          <a:p>
+            <a:r>
+              <a:rPr lang="en-US" dirty="0"/>
+              <a:t>Parameter</a:t>
+            </a:r>
+          </a:p>
+        </p:txBody>
+      </p:sp>
+      <p:cxnSp>
+        <p:nvCxnSpPr>
+          <p:cNvPr id="13" name="Straight Arrow Connector 12"/>
+          <p:cNvCxnSpPr/>
+          <p:nvPr/>
+        </p:nvCxnSpPr>
+        <p:spPr>
+          <a:xfrm flipH="1" flipV="1">
+            <a:off x="3808412" y="5791200"/>
+            <a:ext cx="103534" cy="468364"/>
+          </a:xfrm>
+          <a:prstGeom prst="straightConnector1">
+            <a:avLst/>
+          </a:prstGeom>
+          <a:ln>
+            <a:tailEnd type="triangle"/>
+          </a:ln>
+        </p:spPr>
+        <p:style>
+          <a:lnRef idx="2">
+            <a:schemeClr val="accent6"/>
+          </a:lnRef>
+          <a:fillRef idx="0">
+            <a:schemeClr val="accent6"/>
+          </a:fillRef>
+          <a:effectRef idx="1">
+            <a:schemeClr val="accent6"/>
+          </a:effectRef>
+          <a:fontRef idx="minor">
+            <a:schemeClr val="tx1"/>
+          </a:fontRef>
+        </p:style>
+      </p:cxnSp>
+      <p:cxnSp>
+        <p:nvCxnSpPr>
+          <p:cNvPr id="15" name="Straight Arrow Connector 14"/>
+          <p:cNvCxnSpPr/>
+          <p:nvPr/>
+        </p:nvCxnSpPr>
+        <p:spPr>
+          <a:xfrm flipH="1" flipV="1">
+            <a:off x="6184926" y="5791200"/>
+            <a:ext cx="374805" cy="430942"/>
+          </a:xfrm>
+          <a:prstGeom prst="straightConnector1">
+            <a:avLst/>
+          </a:prstGeom>
+          <a:ln>
+            <a:tailEnd type="triangle"/>
+          </a:ln>
+        </p:spPr>
+        <p:style>
+          <a:lnRef idx="2">
+            <a:schemeClr val="accent6"/>
+          </a:lnRef>
+          <a:fillRef idx="0">
+            <a:schemeClr val="accent6"/>
+          </a:fillRef>
+          <a:effectRef idx="1">
+            <a:schemeClr val="accent6"/>
+          </a:effectRef>
+          <a:fontRef idx="minor">
+            <a:schemeClr val="tx1"/>
+          </a:fontRef>
+        </p:style>
+      </p:cxnSp>
+      <p:cxnSp>
+        <p:nvCxnSpPr>
+          <p:cNvPr id="17" name="Straight Arrow Connector 16"/>
+          <p:cNvCxnSpPr/>
+          <p:nvPr/>
+        </p:nvCxnSpPr>
+        <p:spPr>
+          <a:xfrm>
+            <a:off x="4570412" y="4317881"/>
+            <a:ext cx="1801916" cy="406519"/>
+          </a:xfrm>
+          <a:prstGeom prst="straightConnector1">
+            <a:avLst/>
+          </a:prstGeom>
+          <a:ln>
+            <a:headEnd type="triangle" w="med" len="med"/>
+            <a:tailEnd type="triangle" w="med" len="med"/>
+          </a:ln>
+        </p:spPr>
+        <p:style>
+          <a:lnRef idx="2">
+            <a:schemeClr val="accent6"/>
+          </a:lnRef>
+          <a:fillRef idx="0">
+            <a:schemeClr val="accent6"/>
+          </a:fillRef>
+          <a:effectRef idx="1">
+            <a:schemeClr val="accent6"/>
+          </a:effectRef>
+          <a:fontRef idx="minor">
+            <a:schemeClr val="tx1"/>
+          </a:fontRef>
+        </p:style>
+      </p:cxnSp>
+    </p:spTree>
+    <p:extLst>
+      <p:ext uri="{BB962C8B-B14F-4D97-AF65-F5344CB8AC3E}">
+        <p14:creationId xmlns:p14="http://schemas.microsoft.com/office/powerpoint/2010/main" val="3059276544"/>
+      </p:ext>
+    </p:extLst>
+  </p:cSld>
+  <p:clrMapOvr>
+    <a:masterClrMapping/>
+  </p:clrMapOvr>
+</p:sld>
+</file>
+
+<file path=ppt/slides/slide18.xml><?xml version="1.0" encoding="utf-8"?>
+<p:sld xmlns:a="http://schemas.openxmlformats.org/drawingml/2006/main" xmlns:r="http://schemas.openxmlformats.org/officeDocument/2006/relationships" xmlns:p="http://schemas.openxmlformats.org/presentationml/2006/main">
+  <p:cSld>
+    <p:spTree>
+      <p:nvGrpSpPr>
+        <p:cNvPr id="1" name=""/>
+        <p:cNvGrpSpPr/>
+        <p:nvPr/>
+      </p:nvGrpSpPr>
+      <p:grpSpPr>
+        <a:xfrm>
+          <a:off x="0" y="0"/>
+          <a:ext cx="0" cy="0"/>
+          <a:chOff x="0" y="0"/>
+          <a:chExt cx="0" cy="0"/>
+        </a:xfrm>
+      </p:grpSpPr>
+      <p:sp>
+        <p:nvSpPr>
+          <p:cNvPr id="2" name="Title 1"/>
+          <p:cNvSpPr>
+            <a:spLocks noGrp="1"/>
+          </p:cNvSpPr>
+          <p:nvPr>
+            <p:ph type="title"/>
+          </p:nvPr>
+        </p:nvSpPr>
+        <p:spPr/>
+        <p:txBody>
+          <a:bodyPr/>
+          <a:lstStyle/>
+          <a:p>
+            <a:r>
+              <a:rPr lang="en-US" dirty="0"/>
+              <a:t>Non-</a:t>
+            </a:r>
+            <a:r>
+              <a:rPr lang="en-US" dirty="0" err="1"/>
+              <a:t>Accessor</a:t>
+            </a:r>
+            <a:r>
+              <a:rPr lang="en-US" dirty="0"/>
+              <a:t> Methods</a:t>
+            </a:r>
+          </a:p>
+        </p:txBody>
+      </p:sp>
+      <p:sp>
+        <p:nvSpPr>
+          <p:cNvPr id="3" name="Content Placeholder 2"/>
+          <p:cNvSpPr>
+            <a:spLocks noGrp="1"/>
+          </p:cNvSpPr>
+          <p:nvPr>
+            <p:ph idx="1"/>
+          </p:nvPr>
+        </p:nvSpPr>
+        <p:spPr/>
+        <p:txBody>
+          <a:bodyPr/>
+          <a:lstStyle/>
+          <a:p>
+            <a:r>
+              <a:rPr lang="en-US" dirty="0"/>
+              <a:t>Not all methods that use instance variables are </a:t>
+            </a:r>
+            <a:r>
+              <a:rPr lang="en-US" dirty="0" err="1"/>
+              <a:t>accessors</a:t>
+            </a:r>
+            <a:endParaRPr lang="en-US" dirty="0"/>
+          </a:p>
+          <a:p>
+            <a:r>
+              <a:rPr lang="en-US" dirty="0"/>
+              <a:t>Some methods </a:t>
+            </a:r>
+            <a:r>
+              <a:rPr lang="en-US" b="1" dirty="0"/>
+              <a:t>compute</a:t>
+            </a:r>
+            <a:r>
+              <a:rPr lang="en-US" dirty="0"/>
+              <a:t> and </a:t>
+            </a:r>
+            <a:r>
+              <a:rPr lang="en-US" b="1" dirty="0"/>
+              <a:t>return</a:t>
+            </a:r>
+            <a:r>
+              <a:rPr lang="en-US" dirty="0"/>
+              <a:t> a value based on instance variables (“read-only” methods)</a:t>
+            </a:r>
+          </a:p>
+        </p:txBody>
+      </p:sp>
+      <p:sp>
+        <p:nvSpPr>
+          <p:cNvPr id="4" name="Footer Placeholder 3"/>
+          <p:cNvSpPr>
+            <a:spLocks noGrp="1"/>
+          </p:cNvSpPr>
+          <p:nvPr>
+            <p:ph type="ftr" sz="quarter" idx="11"/>
+          </p:nvPr>
+        </p:nvSpPr>
+        <p:spPr/>
+        <p:txBody>
+          <a:bodyPr/>
+          <a:lstStyle/>
+          <a:p>
+            <a:r>
+              <a:rPr lang="en-US"/>
+              <a:t>CSCI 1301</a:t>
+            </a:r>
+          </a:p>
+        </p:txBody>
+      </p:sp>
+      <p:sp>
+        <p:nvSpPr>
+          <p:cNvPr id="5" name="TextBox 4">
+            <a:extLst>
+              <a:ext uri="{FF2B5EF4-FFF2-40B4-BE49-F238E27FC236}">
+                <a16:creationId xmlns:a16="http://schemas.microsoft.com/office/drawing/2014/main" id="{5B52708B-D04F-42A3-8DFE-39C0EF80F41B}"/>
+              </a:ext>
+            </a:extLst>
+          </p:cNvPr>
+          <p:cNvSpPr txBox="1"/>
+          <p:nvPr/>
+        </p:nvSpPr>
+        <p:spPr>
+          <a:xfrm>
+            <a:off x="3606898" y="3261479"/>
+            <a:ext cx="5029200" cy="3139321"/>
+          </a:xfrm>
+          <a:prstGeom prst="rect">
+            <a:avLst/>
+          </a:prstGeom>
+          <a:solidFill>
+            <a:schemeClr val="bg1">
+              <a:lumMod val="85000"/>
+              <a:lumOff val="15000"/>
+            </a:schemeClr>
+          </a:solidFill>
+        </p:spPr>
+        <p:txBody>
+          <a:bodyPr wrap="square" rtlCol="0">
+            <a:spAutoFit/>
+          </a:bodyPr>
+          <a:lstStyle>
+            <a:defPPr>
+              <a:defRPr lang="en-US"/>
+            </a:defPPr>
+            <a:lvl1pPr>
+              <a:lnSpc>
+                <a:spcPct val="113000"/>
+              </a:lnSpc>
+              <a:defRPr sz="2200">
+                <a:solidFill>
+                  <a:srgbClr val="0099FF"/>
+                </a:solidFill>
+                <a:latin typeface="Consolas" panose="020B0609020204030204" pitchFamily="49" charset="0"/>
+              </a:defRPr>
+            </a:lvl1pPr>
+          </a:lstStyle>
+          <a:p>
+            <a:pPr>
+              <a:lnSpc>
+                <a:spcPct val="100000"/>
+              </a:lnSpc>
+            </a:pPr>
+            <a:r>
+              <a:rPr lang="en-US" dirty="0"/>
+              <a:t>class </a:t>
+            </a:r>
+            <a:r>
+              <a:rPr lang="en-US" dirty="0">
+                <a:solidFill>
+                  <a:srgbClr val="66FFCC"/>
+                </a:solidFill>
+              </a:rPr>
+              <a:t>Rectangle</a:t>
+            </a:r>
+          </a:p>
+          <a:p>
+            <a:pPr>
+              <a:lnSpc>
+                <a:spcPct val="100000"/>
+              </a:lnSpc>
+            </a:pPr>
+            <a:r>
+              <a:rPr lang="en-US" dirty="0">
+                <a:solidFill>
+                  <a:schemeClr val="tx1"/>
+                </a:solidFill>
+              </a:rPr>
+              <a:t>{</a:t>
+            </a:r>
+          </a:p>
+          <a:p>
+            <a:pPr>
+              <a:lnSpc>
+                <a:spcPct val="100000"/>
+              </a:lnSpc>
+            </a:pPr>
+            <a:r>
+              <a:rPr lang="en-US" dirty="0"/>
+              <a:t>  private int</a:t>
+            </a:r>
+            <a:r>
+              <a:rPr lang="en-US" dirty="0">
+                <a:solidFill>
+                  <a:schemeClr val="tx1"/>
+                </a:solidFill>
+              </a:rPr>
+              <a:t> length;</a:t>
+            </a:r>
+          </a:p>
+          <a:p>
+            <a:pPr>
+              <a:lnSpc>
+                <a:spcPct val="100000"/>
+              </a:lnSpc>
+            </a:pPr>
+            <a:r>
+              <a:rPr lang="en-US" dirty="0">
+                <a:solidFill>
+                  <a:schemeClr val="tx1"/>
+                </a:solidFill>
+              </a:rPr>
+              <a:t>  </a:t>
+            </a:r>
+            <a:r>
+              <a:rPr lang="en-US" dirty="0"/>
+              <a:t>private int </a:t>
+            </a:r>
+            <a:r>
+              <a:rPr lang="en-US" dirty="0">
+                <a:solidFill>
+                  <a:schemeClr val="tx1"/>
+                </a:solidFill>
+              </a:rPr>
+              <a:t>width;</a:t>
+            </a:r>
+          </a:p>
+          <a:p>
+            <a:pPr>
+              <a:lnSpc>
+                <a:spcPct val="100000"/>
+              </a:lnSpc>
+            </a:pPr>
+            <a:endParaRPr lang="en-US" dirty="0"/>
+          </a:p>
+          <a:p>
+            <a:pPr>
+              <a:lnSpc>
+                <a:spcPct val="100000"/>
+              </a:lnSpc>
+            </a:pPr>
+            <a:r>
+              <a:rPr lang="en-US" dirty="0"/>
+              <a:t>  public int </a:t>
+            </a:r>
+            <a:r>
+              <a:rPr lang="en-US" dirty="0" err="1">
+                <a:solidFill>
+                  <a:srgbClr val="CC9900"/>
+                </a:solidFill>
+              </a:rPr>
+              <a:t>ComputeArea</a:t>
+            </a:r>
+            <a:r>
+              <a:rPr lang="en-US" dirty="0">
+                <a:solidFill>
+                  <a:schemeClr val="tx1"/>
+                </a:solidFill>
+              </a:rPr>
+              <a:t>()</a:t>
+            </a:r>
+          </a:p>
+          <a:p>
+            <a:pPr>
+              <a:lnSpc>
+                <a:spcPct val="100000"/>
+              </a:lnSpc>
+            </a:pPr>
+            <a:r>
+              <a:rPr lang="en-US" dirty="0">
+                <a:solidFill>
+                  <a:schemeClr val="tx1"/>
+                </a:solidFill>
+              </a:rPr>
+              <a:t>  {</a:t>
+            </a:r>
+          </a:p>
+          <a:p>
+            <a:pPr>
+              <a:lnSpc>
+                <a:spcPct val="100000"/>
+              </a:lnSpc>
+            </a:pPr>
+            <a:r>
+              <a:rPr lang="en-US" dirty="0">
+                <a:solidFill>
+                  <a:schemeClr val="tx1"/>
+                </a:solidFill>
+              </a:rPr>
+              <a:t>    </a:t>
+            </a:r>
+            <a:r>
+              <a:rPr lang="en-US" dirty="0">
+                <a:solidFill>
+                  <a:srgbClr val="9900FF"/>
+                </a:solidFill>
+              </a:rPr>
+              <a:t>return</a:t>
+            </a:r>
+            <a:r>
+              <a:rPr lang="en-US" dirty="0">
+                <a:solidFill>
+                  <a:schemeClr val="tx1"/>
+                </a:solidFill>
+              </a:rPr>
+              <a:t> length * width;</a:t>
+            </a:r>
+          </a:p>
+          <a:p>
+            <a:pPr>
+              <a:lnSpc>
+                <a:spcPct val="100000"/>
+              </a:lnSpc>
+            </a:pPr>
+            <a:r>
+              <a:rPr lang="en-US" dirty="0">
+                <a:solidFill>
+                  <a:schemeClr val="tx1"/>
+                </a:solidFill>
+              </a:rPr>
+              <a:t>  }</a:t>
+            </a:r>
+          </a:p>
+        </p:txBody>
+      </p:sp>
+      <p:sp>
+        <p:nvSpPr>
+          <p:cNvPr id="6" name="TextBox 5">
+            <a:extLst>
+              <a:ext uri="{FF2B5EF4-FFF2-40B4-BE49-F238E27FC236}">
+                <a16:creationId xmlns:a16="http://schemas.microsoft.com/office/drawing/2014/main" id="{2B1142B8-17D5-4FE3-936C-4CC70FA86C09}"/>
+              </a:ext>
+            </a:extLst>
+          </p:cNvPr>
+          <p:cNvSpPr txBox="1"/>
+          <p:nvPr/>
+        </p:nvSpPr>
+        <p:spPr>
+          <a:xfrm>
+            <a:off x="8831359" y="5007996"/>
+            <a:ext cx="3124200" cy="830997"/>
+          </a:xfrm>
+          <a:prstGeom prst="rect">
+            <a:avLst/>
+          </a:prstGeom>
+          <a:noFill/>
+        </p:spPr>
+        <p:txBody>
+          <a:bodyPr wrap="square" rtlCol="0">
+            <a:spAutoFit/>
+          </a:bodyPr>
+          <a:lstStyle/>
+          <a:p>
+            <a:r>
+              <a:rPr lang="en-US" b="1" dirty="0"/>
+              <a:t>Reads</a:t>
+            </a:r>
+            <a:r>
+              <a:rPr lang="en-US" dirty="0"/>
+              <a:t> current value of instance variable</a:t>
+            </a:r>
+          </a:p>
+        </p:txBody>
+      </p:sp>
+      <p:cxnSp>
+        <p:nvCxnSpPr>
+          <p:cNvPr id="7" name="Straight Arrow Connector 6">
+            <a:extLst>
+              <a:ext uri="{FF2B5EF4-FFF2-40B4-BE49-F238E27FC236}">
+                <a16:creationId xmlns:a16="http://schemas.microsoft.com/office/drawing/2014/main" id="{F64B1A4E-14B4-45CE-9650-469565D41A35}"/>
+              </a:ext>
+            </a:extLst>
+          </p:cNvPr>
+          <p:cNvCxnSpPr/>
+          <p:nvPr/>
+        </p:nvCxnSpPr>
+        <p:spPr>
+          <a:xfrm flipH="1">
+            <a:off x="7721698" y="5312796"/>
+            <a:ext cx="1066800" cy="381000"/>
+          </a:xfrm>
+          <a:prstGeom prst="straightConnector1">
+            <a:avLst/>
+          </a:prstGeom>
+          <a:ln>
+            <a:tailEnd type="triangle"/>
+          </a:ln>
+        </p:spPr>
+        <p:style>
+          <a:lnRef idx="2">
+            <a:schemeClr val="accent6"/>
+          </a:lnRef>
+          <a:fillRef idx="0">
+            <a:schemeClr val="accent6"/>
+          </a:fillRef>
+          <a:effectRef idx="1">
+            <a:schemeClr val="accent6"/>
+          </a:effectRef>
+          <a:fontRef idx="minor">
+            <a:schemeClr val="tx1"/>
+          </a:fontRef>
+        </p:style>
+      </p:cxnSp>
+      <p:cxnSp>
+        <p:nvCxnSpPr>
+          <p:cNvPr id="8" name="Straight Arrow Connector 7">
+            <a:extLst>
+              <a:ext uri="{FF2B5EF4-FFF2-40B4-BE49-F238E27FC236}">
+                <a16:creationId xmlns:a16="http://schemas.microsoft.com/office/drawing/2014/main" id="{3696941D-66FC-4CE4-9AE5-93D5627E8DEE}"/>
+              </a:ext>
+            </a:extLst>
+          </p:cNvPr>
+          <p:cNvCxnSpPr/>
+          <p:nvPr/>
+        </p:nvCxnSpPr>
+        <p:spPr>
+          <a:xfrm flipH="1" flipV="1">
+            <a:off x="6959698" y="4474596"/>
+            <a:ext cx="1838321" cy="762000"/>
+          </a:xfrm>
+          <a:prstGeom prst="straightConnector1">
+            <a:avLst/>
+          </a:prstGeom>
+          <a:ln>
+            <a:tailEnd type="triangle"/>
+          </a:ln>
+        </p:spPr>
+        <p:style>
+          <a:lnRef idx="2">
+            <a:schemeClr val="accent6"/>
+          </a:lnRef>
+          <a:fillRef idx="0">
+            <a:schemeClr val="accent6"/>
+          </a:fillRef>
+          <a:effectRef idx="1">
+            <a:schemeClr val="accent6"/>
+          </a:effectRef>
+          <a:fontRef idx="minor">
+            <a:schemeClr val="tx1"/>
+          </a:fontRef>
+        </p:style>
+      </p:cxnSp>
+      <p:sp>
+        <p:nvSpPr>
+          <p:cNvPr id="9" name="TextBox 8">
+            <a:extLst>
+              <a:ext uri="{FF2B5EF4-FFF2-40B4-BE49-F238E27FC236}">
+                <a16:creationId xmlns:a16="http://schemas.microsoft.com/office/drawing/2014/main" id="{E75389EB-73D3-479C-BAC9-C838ED60B921}"/>
+              </a:ext>
+            </a:extLst>
+          </p:cNvPr>
+          <p:cNvSpPr txBox="1"/>
+          <p:nvPr/>
+        </p:nvSpPr>
+        <p:spPr>
+          <a:xfrm>
+            <a:off x="416018" y="5087797"/>
+            <a:ext cx="3124200" cy="830997"/>
+          </a:xfrm>
+          <a:prstGeom prst="rect">
+            <a:avLst/>
+          </a:prstGeom>
+          <a:noFill/>
+        </p:spPr>
+        <p:txBody>
+          <a:bodyPr wrap="square" rtlCol="0">
+            <a:spAutoFit/>
+          </a:bodyPr>
+          <a:lstStyle/>
+          <a:p>
+            <a:r>
+              <a:rPr lang="en-US" b="1" dirty="0"/>
+              <a:t>Returns </a:t>
+            </a:r>
+            <a:r>
+              <a:rPr lang="en-US" dirty="0"/>
+              <a:t>the result; object is unchanged</a:t>
+            </a:r>
+          </a:p>
+        </p:txBody>
+      </p:sp>
+      <p:cxnSp>
+        <p:nvCxnSpPr>
+          <p:cNvPr id="10" name="Straight Arrow Connector 9">
+            <a:extLst>
+              <a:ext uri="{FF2B5EF4-FFF2-40B4-BE49-F238E27FC236}">
+                <a16:creationId xmlns:a16="http://schemas.microsoft.com/office/drawing/2014/main" id="{6193E895-2913-4A64-A18E-98F42B8DB58A}"/>
+              </a:ext>
+            </a:extLst>
+          </p:cNvPr>
+          <p:cNvCxnSpPr/>
+          <p:nvPr/>
+        </p:nvCxnSpPr>
+        <p:spPr>
+          <a:xfrm>
+            <a:off x="3149698" y="5423494"/>
+            <a:ext cx="952500" cy="375788"/>
           </a:xfrm>
           <a:prstGeom prst="straightConnector1">
             <a:avLst/>
@@ -9662,7 +13514,7 @@
     </p:spTree>
     <p:extLst>
       <p:ext uri="{BB962C8B-B14F-4D97-AF65-F5344CB8AC3E}">
-        <p14:creationId xmlns:p14="http://schemas.microsoft.com/office/powerpoint/2010/main" val="1247204109"/>
+        <p14:creationId xmlns:p14="http://schemas.microsoft.com/office/powerpoint/2010/main" val="1810048933"/>
       </p:ext>
     </p:extLst>
   </p:cSld>
@@ -9672,7 +13524,7 @@
 </p:sld>
 </file>
 
-<file path=ppt/slides/slide14.xml><?xml version="1.0" encoding="utf-8"?>
+<file path=ppt/slides/slide19.xml><?xml version="1.0" encoding="utf-8"?>
 <p:sld xmlns:a="http://schemas.openxmlformats.org/drawingml/2006/main" xmlns:r="http://schemas.openxmlformats.org/officeDocument/2006/relationships" xmlns:p="http://schemas.openxmlformats.org/presentationml/2006/main">
   <p:cSld>
     <p:spTree>
@@ -9691,7 +13543,7 @@
       </p:grpSpPr>
       <p:sp>
         <p:nvSpPr>
-          <p:cNvPr id="6" name="Title 5"/>
+          <p:cNvPr id="2" name="Title 1"/>
           <p:cNvSpPr>
             <a:spLocks noGrp="1"/>
           </p:cNvSpPr>
@@ -9705,16 +13557,15 @@
           <a:lstStyle/>
           <a:p>
             <a:r>
-              <a:rPr lang="en-US" dirty="0" smtClean="0"/>
-              <a:t>Summary</a:t>
-            </a:r>
-            <a:endParaRPr lang="en-US" dirty="0"/>
-          </a:p>
-        </p:txBody>
-      </p:sp>
-      <p:sp>
-        <p:nvSpPr>
-          <p:cNvPr id="7" name="Content Placeholder 6"/>
+              <a:rPr lang="en-US" dirty="0"/>
+              <a:t>Modifying (Mutating) Methods</a:t>
+            </a:r>
+          </a:p>
+        </p:txBody>
+      </p:sp>
+      <p:sp>
+        <p:nvSpPr>
+          <p:cNvPr id="3" name="Content Placeholder 2"/>
           <p:cNvSpPr>
             <a:spLocks noGrp="1"/>
           </p:cNvSpPr>
@@ -9722,37 +13573,39 @@
             <p:ph idx="1"/>
           </p:nvPr>
         </p:nvSpPr>
-        <p:spPr/>
-        <p:txBody>
-          <a:bodyPr>
-            <a:normAutofit/>
-          </a:bodyPr>
+        <p:spPr>
+          <a:xfrm>
+            <a:off x="227013" y="1371600"/>
+            <a:ext cx="11734800" cy="2140293"/>
+          </a:xfrm>
+        </p:spPr>
+        <p:txBody>
+          <a:bodyPr/>
           <a:lstStyle/>
           <a:p>
             <a:r>
-              <a:rPr lang="en-US" dirty="0" smtClean="0"/>
-              <a:t>Class </a:t>
-            </a:r>
-            <a:r>
-              <a:rPr lang="en-US" dirty="0"/>
-              <a:t>and Object Basics</a:t>
-            </a:r>
-          </a:p>
-          <a:p>
-            <a:r>
-              <a:rPr lang="en-US" dirty="0"/>
-              <a:t>Writing Our First Class</a:t>
-            </a:r>
-          </a:p>
-          <a:p>
-            <a:r>
-              <a:rPr lang="en-US" dirty="0"/>
-              <a:t>Using a </a:t>
-            </a:r>
-            <a:r>
-              <a:rPr lang="en-US" dirty="0" smtClean="0"/>
-              <a:t>Class</a:t>
-            </a:r>
+              <a:rPr lang="en-US" dirty="0"/>
+              <a:t>Methods other than setters can change instance variables</a:t>
+            </a:r>
+          </a:p>
+          <a:p>
+            <a:r>
+              <a:rPr lang="en-US" b="1" dirty="0"/>
+              <a:t>Mutate</a:t>
+            </a:r>
+            <a:r>
+              <a:rPr lang="en-US" dirty="0"/>
+              <a:t>, or modify, the object’s state (attributes)</a:t>
+            </a:r>
+          </a:p>
+          <a:p>
+            <a:r>
+              <a:rPr lang="en-US" dirty="0"/>
+              <a:t>Example: Increase the size of a rectangle’s dimensions by 1</a:t>
+            </a:r>
+          </a:p>
+          <a:p>
+            <a:endParaRPr lang="en-US" dirty="0"/>
           </a:p>
         </p:txBody>
       </p:sp>
@@ -9772,16 +13625,461 @@
           <a:lstStyle/>
           <a:p>
             <a:r>
-              <a:rPr lang="en-US" dirty="0"/>
+              <a:rPr lang="en-US"/>
               <a:t>CSCI 1301</a:t>
             </a:r>
           </a:p>
         </p:txBody>
       </p:sp>
+      <p:sp>
+        <p:nvSpPr>
+          <p:cNvPr id="5" name="TextBox 4">
+            <a:extLst>
+              <a:ext uri="{FF2B5EF4-FFF2-40B4-BE49-F238E27FC236}">
+                <a16:creationId xmlns:a16="http://schemas.microsoft.com/office/drawing/2014/main" id="{AD277D14-62E8-43AC-83ED-8F452C9B3A59}"/>
+              </a:ext>
+            </a:extLst>
+          </p:cNvPr>
+          <p:cNvSpPr txBox="1"/>
+          <p:nvPr/>
+        </p:nvSpPr>
+        <p:spPr>
+          <a:xfrm>
+            <a:off x="3808412" y="3218720"/>
+            <a:ext cx="4724400" cy="3477875"/>
+          </a:xfrm>
+          <a:prstGeom prst="rect">
+            <a:avLst/>
+          </a:prstGeom>
+          <a:solidFill>
+            <a:schemeClr val="bg1">
+              <a:lumMod val="85000"/>
+              <a:lumOff val="15000"/>
+            </a:schemeClr>
+          </a:solidFill>
+        </p:spPr>
+        <p:txBody>
+          <a:bodyPr wrap="square" rtlCol="0">
+            <a:spAutoFit/>
+          </a:bodyPr>
+          <a:lstStyle>
+            <a:defPPr>
+              <a:defRPr lang="en-US"/>
+            </a:defPPr>
+            <a:lvl1pPr>
+              <a:lnSpc>
+                <a:spcPct val="113000"/>
+              </a:lnSpc>
+              <a:defRPr sz="2200">
+                <a:solidFill>
+                  <a:srgbClr val="0099FF"/>
+                </a:solidFill>
+                <a:latin typeface="Consolas" panose="020B0609020204030204" pitchFamily="49" charset="0"/>
+              </a:defRPr>
+            </a:lvl1pPr>
+          </a:lstStyle>
+          <a:p>
+            <a:pPr>
+              <a:lnSpc>
+                <a:spcPct val="100000"/>
+              </a:lnSpc>
+            </a:pPr>
+            <a:r>
+              <a:rPr lang="en-US" dirty="0"/>
+              <a:t>class </a:t>
+            </a:r>
+            <a:r>
+              <a:rPr lang="en-US" dirty="0">
+                <a:solidFill>
+                  <a:srgbClr val="66FFCC"/>
+                </a:solidFill>
+              </a:rPr>
+              <a:t>Rectangle</a:t>
+            </a:r>
+          </a:p>
+          <a:p>
+            <a:pPr>
+              <a:lnSpc>
+                <a:spcPct val="100000"/>
+              </a:lnSpc>
+            </a:pPr>
+            <a:r>
+              <a:rPr lang="en-US" dirty="0">
+                <a:solidFill>
+                  <a:schemeClr val="tx1"/>
+                </a:solidFill>
+              </a:rPr>
+              <a:t>{</a:t>
+            </a:r>
+          </a:p>
+          <a:p>
+            <a:pPr>
+              <a:lnSpc>
+                <a:spcPct val="100000"/>
+              </a:lnSpc>
+            </a:pPr>
+            <a:r>
+              <a:rPr lang="en-US" dirty="0"/>
+              <a:t>  private </a:t>
+            </a:r>
+            <a:r>
+              <a:rPr lang="en-US" dirty="0" err="1"/>
+              <a:t>int</a:t>
+            </a:r>
+            <a:r>
+              <a:rPr lang="en-US" dirty="0">
+                <a:solidFill>
+                  <a:schemeClr val="tx1"/>
+                </a:solidFill>
+              </a:rPr>
+              <a:t> length;</a:t>
+            </a:r>
+          </a:p>
+          <a:p>
+            <a:pPr>
+              <a:lnSpc>
+                <a:spcPct val="100000"/>
+              </a:lnSpc>
+            </a:pPr>
+            <a:r>
+              <a:rPr lang="en-US" dirty="0">
+                <a:solidFill>
+                  <a:schemeClr val="tx1"/>
+                </a:solidFill>
+              </a:rPr>
+              <a:t>  </a:t>
+            </a:r>
+            <a:r>
+              <a:rPr lang="en-US" dirty="0"/>
+              <a:t>private </a:t>
+            </a:r>
+            <a:r>
+              <a:rPr lang="en-US" dirty="0" err="1"/>
+              <a:t>int</a:t>
+            </a:r>
+            <a:r>
+              <a:rPr lang="en-US" dirty="0"/>
+              <a:t> </a:t>
+            </a:r>
+            <a:r>
+              <a:rPr lang="en-US" dirty="0">
+                <a:solidFill>
+                  <a:schemeClr val="tx1"/>
+                </a:solidFill>
+              </a:rPr>
+              <a:t>width;</a:t>
+            </a:r>
+          </a:p>
+          <a:p>
+            <a:pPr>
+              <a:lnSpc>
+                <a:spcPct val="100000"/>
+              </a:lnSpc>
+            </a:pPr>
+            <a:endParaRPr lang="en-US" dirty="0"/>
+          </a:p>
+          <a:p>
+            <a:pPr>
+              <a:lnSpc>
+                <a:spcPct val="100000"/>
+              </a:lnSpc>
+            </a:pPr>
+            <a:r>
+              <a:rPr lang="en-US" dirty="0"/>
+              <a:t>  public void </a:t>
+            </a:r>
+            <a:r>
+              <a:rPr lang="en-US" dirty="0" err="1">
+                <a:solidFill>
+                  <a:srgbClr val="CC9900"/>
+                </a:solidFill>
+              </a:rPr>
+              <a:t>IncreaseSize</a:t>
+            </a:r>
+            <a:r>
+              <a:rPr lang="en-US" dirty="0">
+                <a:solidFill>
+                  <a:schemeClr val="tx1"/>
+                </a:solidFill>
+              </a:rPr>
+              <a:t>()</a:t>
+            </a:r>
+          </a:p>
+          <a:p>
+            <a:pPr>
+              <a:lnSpc>
+                <a:spcPct val="100000"/>
+              </a:lnSpc>
+            </a:pPr>
+            <a:r>
+              <a:rPr lang="en-US" dirty="0">
+                <a:solidFill>
+                  <a:schemeClr val="tx1"/>
+                </a:solidFill>
+              </a:rPr>
+              <a:t>  {</a:t>
+            </a:r>
+          </a:p>
+          <a:p>
+            <a:pPr>
+              <a:lnSpc>
+                <a:spcPct val="100000"/>
+              </a:lnSpc>
+            </a:pPr>
+            <a:r>
+              <a:rPr lang="en-US" dirty="0">
+                <a:solidFill>
+                  <a:schemeClr val="tx1"/>
+                </a:solidFill>
+              </a:rPr>
+              <a:t>    length += </a:t>
+            </a:r>
+            <a:r>
+              <a:rPr lang="en-US" dirty="0">
+                <a:solidFill>
+                  <a:srgbClr val="99CC00"/>
+                </a:solidFill>
+              </a:rPr>
+              <a:t>1</a:t>
+            </a:r>
+            <a:r>
+              <a:rPr lang="en-US" dirty="0">
+                <a:solidFill>
+                  <a:schemeClr val="tx1"/>
+                </a:solidFill>
+              </a:rPr>
+              <a:t>;</a:t>
+            </a:r>
+          </a:p>
+          <a:p>
+            <a:pPr>
+              <a:lnSpc>
+                <a:spcPct val="100000"/>
+              </a:lnSpc>
+            </a:pPr>
+            <a:r>
+              <a:rPr lang="en-US" dirty="0">
+                <a:solidFill>
+                  <a:schemeClr val="tx1"/>
+                </a:solidFill>
+              </a:rPr>
+              <a:t>    width += </a:t>
+            </a:r>
+            <a:r>
+              <a:rPr lang="en-US" dirty="0">
+                <a:solidFill>
+                  <a:srgbClr val="99CC00"/>
+                </a:solidFill>
+              </a:rPr>
+              <a:t>1</a:t>
+            </a:r>
+            <a:r>
+              <a:rPr lang="en-US" dirty="0">
+                <a:solidFill>
+                  <a:schemeClr val="tx1"/>
+                </a:solidFill>
+              </a:rPr>
+              <a:t>;</a:t>
+            </a:r>
+          </a:p>
+          <a:p>
+            <a:pPr>
+              <a:lnSpc>
+                <a:spcPct val="100000"/>
+              </a:lnSpc>
+            </a:pPr>
+            <a:r>
+              <a:rPr lang="en-US" dirty="0">
+                <a:solidFill>
+                  <a:schemeClr val="tx1"/>
+                </a:solidFill>
+              </a:rPr>
+              <a:t>  }</a:t>
+            </a:r>
+          </a:p>
+        </p:txBody>
+      </p:sp>
+      <p:sp>
+        <p:nvSpPr>
+          <p:cNvPr id="6" name="TextBox 5"/>
+          <p:cNvSpPr txBox="1"/>
+          <p:nvPr/>
+        </p:nvSpPr>
+        <p:spPr>
+          <a:xfrm>
+            <a:off x="7618412" y="5462541"/>
+            <a:ext cx="3276600" cy="830997"/>
+          </a:xfrm>
+          <a:prstGeom prst="rect">
+            <a:avLst/>
+          </a:prstGeom>
+          <a:noFill/>
+        </p:spPr>
+        <p:txBody>
+          <a:bodyPr wrap="square" rtlCol="0">
+            <a:spAutoFit/>
+          </a:bodyPr>
+          <a:lstStyle/>
+          <a:p>
+            <a:r>
+              <a:rPr lang="en-US" dirty="0"/>
+              <a:t>Compute </a:t>
+            </a:r>
+            <a:r>
+              <a:rPr lang="en-US" dirty="0">
+                <a:latin typeface="Consolas" panose="020B0609020204030204" pitchFamily="49" charset="0"/>
+              </a:rPr>
+              <a:t>length + 1</a:t>
+            </a:r>
+            <a:r>
+              <a:rPr lang="en-US" dirty="0"/>
+              <a:t>, assign result to </a:t>
+            </a:r>
+            <a:r>
+              <a:rPr lang="en-US" dirty="0">
+                <a:latin typeface="Consolas" panose="020B0609020204030204" pitchFamily="49" charset="0"/>
+              </a:rPr>
+              <a:t>length</a:t>
+            </a:r>
+          </a:p>
+        </p:txBody>
+      </p:sp>
+      <p:cxnSp>
+        <p:nvCxnSpPr>
+          <p:cNvPr id="8" name="Straight Arrow Connector 7"/>
+          <p:cNvCxnSpPr/>
+          <p:nvPr/>
+        </p:nvCxnSpPr>
+        <p:spPr>
+          <a:xfrm flipH="1">
+            <a:off x="6399212" y="5638800"/>
+            <a:ext cx="1219200" cy="152400"/>
+          </a:xfrm>
+          <a:prstGeom prst="straightConnector1">
+            <a:avLst/>
+          </a:prstGeom>
+          <a:ln>
+            <a:tailEnd type="triangle"/>
+          </a:ln>
+        </p:spPr>
+        <p:style>
+          <a:lnRef idx="2">
+            <a:schemeClr val="accent6"/>
+          </a:lnRef>
+          <a:fillRef idx="0">
+            <a:schemeClr val="accent6"/>
+          </a:fillRef>
+          <a:effectRef idx="1">
+            <a:schemeClr val="accent6"/>
+          </a:effectRef>
+          <a:fontRef idx="minor">
+            <a:schemeClr val="tx1"/>
+          </a:fontRef>
+        </p:style>
+      </p:cxnSp>
+      <p:sp>
+        <p:nvSpPr>
+          <p:cNvPr id="9" name="TextBox 8"/>
+          <p:cNvSpPr txBox="1"/>
+          <p:nvPr/>
+        </p:nvSpPr>
+        <p:spPr>
+          <a:xfrm>
+            <a:off x="460869" y="4996317"/>
+            <a:ext cx="2881911" cy="830997"/>
+          </a:xfrm>
+          <a:prstGeom prst="rect">
+            <a:avLst/>
+          </a:prstGeom>
+          <a:noFill/>
+        </p:spPr>
+        <p:txBody>
+          <a:bodyPr wrap="square" rtlCol="0">
+            <a:spAutoFit/>
+          </a:bodyPr>
+          <a:lstStyle/>
+          <a:p>
+            <a:r>
+              <a:rPr lang="en-US" b="1" dirty="0"/>
+              <a:t>Writes</a:t>
+            </a:r>
+            <a:r>
+              <a:rPr lang="en-US" dirty="0"/>
+              <a:t> new values to instance variables</a:t>
+            </a:r>
+          </a:p>
+        </p:txBody>
+      </p:sp>
+      <p:cxnSp>
+        <p:nvCxnSpPr>
+          <p:cNvPr id="11" name="Straight Arrow Connector 10"/>
+          <p:cNvCxnSpPr/>
+          <p:nvPr/>
+        </p:nvCxnSpPr>
+        <p:spPr>
+          <a:xfrm>
+            <a:off x="3118396" y="5359013"/>
+            <a:ext cx="1299616" cy="466746"/>
+          </a:xfrm>
+          <a:prstGeom prst="straightConnector1">
+            <a:avLst/>
+          </a:prstGeom>
+          <a:ln>
+            <a:tailEnd type="triangle"/>
+          </a:ln>
+        </p:spPr>
+        <p:style>
+          <a:lnRef idx="2">
+            <a:schemeClr val="accent6"/>
+          </a:lnRef>
+          <a:fillRef idx="0">
+            <a:schemeClr val="accent6"/>
+          </a:fillRef>
+          <a:effectRef idx="1">
+            <a:schemeClr val="accent6"/>
+          </a:effectRef>
+          <a:fontRef idx="minor">
+            <a:schemeClr val="tx1"/>
+          </a:fontRef>
+        </p:style>
+      </p:cxnSp>
+      <p:cxnSp>
+        <p:nvCxnSpPr>
+          <p:cNvPr id="13" name="Straight Arrow Connector 12"/>
+          <p:cNvCxnSpPr/>
+          <p:nvPr/>
+        </p:nvCxnSpPr>
+        <p:spPr>
+          <a:xfrm flipV="1">
+            <a:off x="3118396" y="4267201"/>
+            <a:ext cx="994816" cy="961624"/>
+          </a:xfrm>
+          <a:prstGeom prst="straightConnector1">
+            <a:avLst/>
+          </a:prstGeom>
+          <a:ln>
+            <a:tailEnd type="triangle"/>
+          </a:ln>
+        </p:spPr>
+        <p:style>
+          <a:lnRef idx="2">
+            <a:schemeClr val="accent6"/>
+          </a:lnRef>
+          <a:fillRef idx="0">
+            <a:schemeClr val="accent6"/>
+          </a:fillRef>
+          <a:effectRef idx="1">
+            <a:schemeClr val="accent6"/>
+          </a:effectRef>
+          <a:fontRef idx="minor">
+            <a:schemeClr val="tx1"/>
+          </a:fontRef>
+        </p:style>
+      </p:cxnSp>
     </p:spTree>
     <p:extLst>
       <p:ext uri="{BB962C8B-B14F-4D97-AF65-F5344CB8AC3E}">
-        <p14:creationId xmlns:p14="http://schemas.microsoft.com/office/powerpoint/2010/main" val="3305323817"/>
+        <p14:creationId xmlns:p14="http://schemas.microsoft.com/office/powerpoint/2010/main" val="674459228"/>
       </p:ext>
     </p:extLst>
   </p:cSld>
@@ -9848,12 +14146,8 @@
           <a:lstStyle/>
           <a:p>
             <a:r>
-              <a:rPr lang="en-US" dirty="0" smtClean="0"/>
-              <a:t>Class </a:t>
-            </a:r>
-            <a:r>
-              <a:rPr lang="en-US" dirty="0"/>
-              <a:t>and Object Basics</a:t>
+              <a:rPr lang="en-US" dirty="0"/>
+              <a:t>Class and Object Basics</a:t>
             </a:r>
           </a:p>
           <a:p>
@@ -9865,12 +14159,19 @@
           <a:p>
             <a:r>
               <a:rPr lang="en-US" dirty="0"/>
-              <a:t>Using a </a:t>
-            </a:r>
-            <a:r>
-              <a:rPr lang="en-US" dirty="0" smtClean="0"/>
-              <a:t>Class</a:t>
-            </a:r>
+              <a:t>Using a Class</a:t>
+            </a:r>
+          </a:p>
+          <a:p>
+            <a:r>
+              <a:rPr lang="en-US" dirty="0"/>
+              <a:t>Principles of </a:t>
+            </a:r>
+            <a:r>
+              <a:rPr lang="en-US" dirty="0" err="1"/>
+              <a:t>Accessors</a:t>
+            </a:r>
+            <a:endParaRPr lang="en-US" dirty="0"/>
           </a:p>
           <a:p>
             <a:endParaRPr lang="en-US" dirty="0"/>
@@ -10949,12 +15250,8 @@
           <a:lstStyle/>
           <a:p>
             <a:r>
-              <a:rPr lang="en-US" dirty="0" smtClean="0"/>
-              <a:t>Class </a:t>
-            </a:r>
-            <a:r>
-              <a:rPr lang="en-US" dirty="0"/>
-              <a:t>and Object Basics</a:t>
+              <a:rPr lang="en-US" dirty="0"/>
+              <a:t>Class and Object Basics</a:t>
             </a:r>
           </a:p>
           <a:p>
@@ -10966,34 +15263,18 @@
           <a:p>
             <a:r>
               <a:rPr lang="en-US" dirty="0"/>
-              <a:t>Using a </a:t>
-            </a:r>
-            <a:r>
-              <a:rPr lang="en-US" dirty="0" smtClean="0"/>
-              <a:t>Class</a:t>
-            </a:r>
-          </a:p>
-          <a:p>
-            <a:r>
-              <a:rPr lang="en-US" dirty="0"/>
-              <a:t>Object and Method Details</a:t>
-            </a:r>
-          </a:p>
-          <a:p>
-            <a:pPr lvl="1"/>
-            <a:r>
-              <a:rPr lang="en-US" dirty="0"/>
-              <a:t>Instance variable modification</a:t>
-            </a:r>
-          </a:p>
-          <a:p>
-            <a:pPr lvl="1"/>
-            <a:r>
-              <a:rPr lang="en-US" dirty="0"/>
-              <a:t>Return types and return values</a:t>
-            </a:r>
-          </a:p>
-          <a:p>
+              <a:t>Using a Class</a:t>
+            </a:r>
+          </a:p>
+          <a:p>
+            <a:r>
+              <a:rPr lang="en-US" dirty="0"/>
+              <a:t>Principles of </a:t>
+            </a:r>
+            <a:r>
+              <a:rPr lang="en-US" dirty="0" err="1"/>
+              <a:t>Accessors</a:t>
+            </a:r>
             <a:endParaRPr lang="en-US" dirty="0"/>
           </a:p>
         </p:txBody>
@@ -13098,28 +17379,36 @@
               </a:lnSpc>
             </a:pPr>
             <a:r>
+              <a:rPr lang="en-US">
+                <a:solidFill>
+                  <a:schemeClr val="tx1"/>
+                </a:solidFill>
+              </a:rPr>
+              <a:t>    </a:t>
+            </a:r>
+            <a:r>
+              <a:rPr lang="en-US">
+                <a:solidFill>
+                  <a:srgbClr val="9933FF"/>
+                </a:solidFill>
+              </a:rPr>
+              <a:t>	</a:t>
+            </a:r>
+            <a:r>
+              <a:rPr lang="en-US">
+                <a:solidFill>
+                  <a:schemeClr val="tx1"/>
+                </a:solidFill>
+              </a:rPr>
+              <a:t> </a:t>
+            </a:r>
+            <a:r>
               <a:rPr lang="en-US" dirty="0">
                 <a:solidFill>
                   <a:schemeClr val="tx1"/>
                 </a:solidFill>
               </a:rPr>
-              <a:t>    </a:t>
-            </a:r>
-            <a:r>
-              <a:rPr lang="en-US" dirty="0">
-                <a:solidFill>
-                  <a:srgbClr val="9933FF"/>
-                </a:solidFill>
-              </a:rPr>
-              <a:t>return</a:t>
-            </a:r>
-            <a:r>
-              <a:rPr lang="en-US" dirty="0">
-                <a:solidFill>
-                  <a:schemeClr val="tx1"/>
-                </a:solidFill>
-              </a:rPr>
-              <a:t> length;</a:t>
+              <a:t>length;</a:t>
             </a:r>
           </a:p>
           <a:p>
